--- a/Kanta/halad/Ipa Ambit.pptx
+++ b/Kanta/halad/Ipa Ambit.pptx
@@ -204,7 +204,7 @@
           <a:p>
             <a:fld id="{2E860BF0-D007-460F-BF20-9BF0E803D277}" type="datetimeFigureOut">
               <a:rPr lang="en-US" smtClean="0"/>
-              <a:t>7/26/2025</a:t>
+              <a:t>1/5/2026</a:t>
             </a:fld>
             <a:endParaRPr lang="en-US"/>
           </a:p>
@@ -618,7 +618,7 @@
           <a:p>
             <a:fld id="{689CB065-93CC-4F93-97CB-5160E2F98F73}" type="datetimeFigureOut">
               <a:rPr lang="en-US" smtClean="0"/>
-              <a:t>7/26/2025</a:t>
+              <a:t>1/5/2026</a:t>
             </a:fld>
             <a:endParaRPr lang="en-US"/>
           </a:p>
@@ -816,7 +816,7 @@
           <a:p>
             <a:fld id="{689CB065-93CC-4F93-97CB-5160E2F98F73}" type="datetimeFigureOut">
               <a:rPr lang="en-US" smtClean="0"/>
-              <a:t>7/26/2025</a:t>
+              <a:t>1/5/2026</a:t>
             </a:fld>
             <a:endParaRPr lang="en-US"/>
           </a:p>
@@ -1024,7 +1024,7 @@
           <a:p>
             <a:fld id="{689CB065-93CC-4F93-97CB-5160E2F98F73}" type="datetimeFigureOut">
               <a:rPr lang="en-US" smtClean="0"/>
-              <a:t>7/26/2025</a:t>
+              <a:t>1/5/2026</a:t>
             </a:fld>
             <a:endParaRPr lang="en-US"/>
           </a:p>
@@ -1222,7 +1222,7 @@
           <a:p>
             <a:fld id="{689CB065-93CC-4F93-97CB-5160E2F98F73}" type="datetimeFigureOut">
               <a:rPr lang="en-US" smtClean="0"/>
-              <a:t>7/26/2025</a:t>
+              <a:t>1/5/2026</a:t>
             </a:fld>
             <a:endParaRPr lang="en-US"/>
           </a:p>
@@ -1497,7 +1497,7 @@
           <a:p>
             <a:fld id="{689CB065-93CC-4F93-97CB-5160E2F98F73}" type="datetimeFigureOut">
               <a:rPr lang="en-US" smtClean="0"/>
-              <a:t>7/26/2025</a:t>
+              <a:t>1/5/2026</a:t>
             </a:fld>
             <a:endParaRPr lang="en-US"/>
           </a:p>
@@ -1762,7 +1762,7 @@
           <a:p>
             <a:fld id="{689CB065-93CC-4F93-97CB-5160E2F98F73}" type="datetimeFigureOut">
               <a:rPr lang="en-US" smtClean="0"/>
-              <a:t>7/26/2025</a:t>
+              <a:t>1/5/2026</a:t>
             </a:fld>
             <a:endParaRPr lang="en-US"/>
           </a:p>
@@ -2174,7 +2174,7 @@
           <a:p>
             <a:fld id="{689CB065-93CC-4F93-97CB-5160E2F98F73}" type="datetimeFigureOut">
               <a:rPr lang="en-US" smtClean="0"/>
-              <a:t>7/26/2025</a:t>
+              <a:t>1/5/2026</a:t>
             </a:fld>
             <a:endParaRPr lang="en-US"/>
           </a:p>
@@ -2315,7 +2315,7 @@
           <a:p>
             <a:fld id="{689CB065-93CC-4F93-97CB-5160E2F98F73}" type="datetimeFigureOut">
               <a:rPr lang="en-US" smtClean="0"/>
-              <a:t>7/26/2025</a:t>
+              <a:t>1/5/2026</a:t>
             </a:fld>
             <a:endParaRPr lang="en-US"/>
           </a:p>
@@ -2428,7 +2428,7 @@
           <a:p>
             <a:fld id="{689CB065-93CC-4F93-97CB-5160E2F98F73}" type="datetimeFigureOut">
               <a:rPr lang="en-US" smtClean="0"/>
-              <a:t>7/26/2025</a:t>
+              <a:t>1/5/2026</a:t>
             </a:fld>
             <a:endParaRPr lang="en-US"/>
           </a:p>
@@ -2739,7 +2739,7 @@
           <a:p>
             <a:fld id="{689CB065-93CC-4F93-97CB-5160E2F98F73}" type="datetimeFigureOut">
               <a:rPr lang="en-US" smtClean="0"/>
-              <a:t>7/26/2025</a:t>
+              <a:t>1/5/2026</a:t>
             </a:fld>
             <a:endParaRPr lang="en-US"/>
           </a:p>
@@ -3027,7 +3027,7 @@
           <a:p>
             <a:fld id="{689CB065-93CC-4F93-97CB-5160E2F98F73}" type="datetimeFigureOut">
               <a:rPr lang="en-US" smtClean="0"/>
-              <a:t>7/26/2025</a:t>
+              <a:t>1/5/2026</a:t>
             </a:fld>
             <a:endParaRPr lang="en-US"/>
           </a:p>
@@ -3271,7 +3271,7 @@
           <a:p>
             <a:fld id="{689CB065-93CC-4F93-97CB-5160E2F98F73}" type="datetimeFigureOut">
               <a:rPr lang="en-US" smtClean="0"/>
-              <a:t>7/26/2025</a:t>
+              <a:t>1/5/2026</a:t>
             </a:fld>
             <a:endParaRPr lang="en-US"/>
           </a:p>
@@ -3763,6 +3763,195 @@
               <a:t> Ambit</a:t>
             </a:r>
           </a:p>
+          <a:p>
+            <a:pPr algn="ctr"/>
+            <a:endParaRPr lang="en-US" sz="4000" dirty="0">
+              <a:solidFill>
+                <a:schemeClr val="bg1"/>
+              </a:solidFill>
+              <a:latin typeface="Times New Roman" panose="02020603050405020304" pitchFamily="18" charset="0"/>
+              <a:cs typeface="Times New Roman" panose="02020603050405020304" pitchFamily="18" charset="0"/>
+            </a:endParaRPr>
+          </a:p>
+          <a:p>
+            <a:pPr algn="ctr"/>
+            <a:r>
+              <a:rPr lang="en-US" sz="4000" dirty="0">
+                <a:solidFill>
+                  <a:schemeClr val="bg1"/>
+                </a:solidFill>
+                <a:latin typeface="Times New Roman" panose="02020603050405020304" pitchFamily="18" charset="0"/>
+                <a:cs typeface="Times New Roman" panose="02020603050405020304" pitchFamily="18" charset="0"/>
+              </a:rPr>
+              <a:t>Intro</a:t>
+            </a:r>
+          </a:p>
+          <a:p>
+            <a:pPr algn="ctr"/>
+            <a:endParaRPr lang="en-US" sz="4000" dirty="0">
+              <a:solidFill>
+                <a:schemeClr val="bg1"/>
+              </a:solidFill>
+              <a:latin typeface="Times New Roman" panose="02020603050405020304" pitchFamily="18" charset="0"/>
+              <a:cs typeface="Times New Roman" panose="02020603050405020304" pitchFamily="18" charset="0"/>
+            </a:endParaRPr>
+          </a:p>
+        </p:txBody>
+      </p:sp>
+      <p:sp>
+        <p:nvSpPr>
+          <p:cNvPr id="3" name="Rectangle 2">
+            <a:extLst>
+              <a:ext uri="{FF2B5EF4-FFF2-40B4-BE49-F238E27FC236}">
+                <a16:creationId xmlns:a16="http://schemas.microsoft.com/office/drawing/2014/main" id="{1F6269E6-D981-49A0-A404-D410291AFF84}"/>
+              </a:ext>
+            </a:extLst>
+          </p:cNvPr>
+          <p:cNvSpPr/>
+          <p:nvPr/>
+        </p:nvSpPr>
+        <p:spPr>
+          <a:xfrm>
+            <a:off x="5202701" y="4069080"/>
+            <a:ext cx="1786597" cy="970671"/>
+          </a:xfrm>
+          <a:prstGeom prst="rect">
+            <a:avLst/>
+          </a:prstGeom>
+          <a:noFill/>
+          <a:ln>
+            <a:noFill/>
+          </a:ln>
+        </p:spPr>
+        <p:style>
+          <a:lnRef idx="2">
+            <a:schemeClr val="accent1">
+              <a:shade val="50000"/>
+            </a:schemeClr>
+          </a:lnRef>
+          <a:fillRef idx="1">
+            <a:schemeClr val="accent1"/>
+          </a:fillRef>
+          <a:effectRef idx="0">
+            <a:schemeClr val="accent1"/>
+          </a:effectRef>
+          <a:fontRef idx="minor">
+            <a:schemeClr val="lt1"/>
+          </a:fontRef>
+        </p:style>
+        <p:txBody>
+          <a:bodyPr rtlCol="0" anchor="ctr"/>
+          <a:lstStyle>
+            <a:defPPr>
+              <a:defRPr lang="en-US"/>
+            </a:defPPr>
+            <a:lvl1pPr marL="0" algn="l" defTabSz="914400" rtl="0" eaLnBrk="1" latinLnBrk="0" hangingPunct="1">
+              <a:defRPr sz="1800" kern="1200">
+                <a:solidFill>
+                  <a:schemeClr val="lt1"/>
+                </a:solidFill>
+                <a:latin typeface="+mn-lt"/>
+                <a:ea typeface="+mn-ea"/>
+                <a:cs typeface="+mn-cs"/>
+              </a:defRPr>
+            </a:lvl1pPr>
+            <a:lvl2pPr marL="457200" algn="l" defTabSz="914400" rtl="0" eaLnBrk="1" latinLnBrk="0" hangingPunct="1">
+              <a:defRPr sz="1800" kern="1200">
+                <a:solidFill>
+                  <a:schemeClr val="lt1"/>
+                </a:solidFill>
+                <a:latin typeface="+mn-lt"/>
+                <a:ea typeface="+mn-ea"/>
+                <a:cs typeface="+mn-cs"/>
+              </a:defRPr>
+            </a:lvl2pPr>
+            <a:lvl3pPr marL="914400" algn="l" defTabSz="914400" rtl="0" eaLnBrk="1" latinLnBrk="0" hangingPunct="1">
+              <a:defRPr sz="1800" kern="1200">
+                <a:solidFill>
+                  <a:schemeClr val="lt1"/>
+                </a:solidFill>
+                <a:latin typeface="+mn-lt"/>
+                <a:ea typeface="+mn-ea"/>
+                <a:cs typeface="+mn-cs"/>
+              </a:defRPr>
+            </a:lvl3pPr>
+            <a:lvl4pPr marL="1371600" algn="l" defTabSz="914400" rtl="0" eaLnBrk="1" latinLnBrk="0" hangingPunct="1">
+              <a:defRPr sz="1800" kern="1200">
+                <a:solidFill>
+                  <a:schemeClr val="lt1"/>
+                </a:solidFill>
+                <a:latin typeface="+mn-lt"/>
+                <a:ea typeface="+mn-ea"/>
+                <a:cs typeface="+mn-cs"/>
+              </a:defRPr>
+            </a:lvl4pPr>
+            <a:lvl5pPr marL="1828800" algn="l" defTabSz="914400" rtl="0" eaLnBrk="1" latinLnBrk="0" hangingPunct="1">
+              <a:defRPr sz="1800" kern="1200">
+                <a:solidFill>
+                  <a:schemeClr val="lt1"/>
+                </a:solidFill>
+                <a:latin typeface="+mn-lt"/>
+                <a:ea typeface="+mn-ea"/>
+                <a:cs typeface="+mn-cs"/>
+              </a:defRPr>
+            </a:lvl5pPr>
+            <a:lvl6pPr marL="2286000" algn="l" defTabSz="914400" rtl="0" eaLnBrk="1" latinLnBrk="0" hangingPunct="1">
+              <a:defRPr sz="1800" kern="1200">
+                <a:solidFill>
+                  <a:schemeClr val="lt1"/>
+                </a:solidFill>
+                <a:latin typeface="+mn-lt"/>
+                <a:ea typeface="+mn-ea"/>
+                <a:cs typeface="+mn-cs"/>
+              </a:defRPr>
+            </a:lvl6pPr>
+            <a:lvl7pPr marL="2743200" algn="l" defTabSz="914400" rtl="0" eaLnBrk="1" latinLnBrk="0" hangingPunct="1">
+              <a:defRPr sz="1800" kern="1200">
+                <a:solidFill>
+                  <a:schemeClr val="lt1"/>
+                </a:solidFill>
+                <a:latin typeface="+mn-lt"/>
+                <a:ea typeface="+mn-ea"/>
+                <a:cs typeface="+mn-cs"/>
+              </a:defRPr>
+            </a:lvl7pPr>
+            <a:lvl8pPr marL="3200400" algn="l" defTabSz="914400" rtl="0" eaLnBrk="1" latinLnBrk="0" hangingPunct="1">
+              <a:defRPr sz="1800" kern="1200">
+                <a:solidFill>
+                  <a:schemeClr val="lt1"/>
+                </a:solidFill>
+                <a:latin typeface="+mn-lt"/>
+                <a:ea typeface="+mn-ea"/>
+                <a:cs typeface="+mn-cs"/>
+              </a:defRPr>
+            </a:lvl8pPr>
+            <a:lvl9pPr marL="3657600" algn="l" defTabSz="914400" rtl="0" eaLnBrk="1" latinLnBrk="0" hangingPunct="1">
+              <a:defRPr sz="1800" kern="1200">
+                <a:solidFill>
+                  <a:schemeClr val="lt1"/>
+                </a:solidFill>
+                <a:latin typeface="+mn-lt"/>
+                <a:ea typeface="+mn-ea"/>
+                <a:cs typeface="+mn-cs"/>
+              </a:defRPr>
+            </a:lvl9pPr>
+          </a:lstStyle>
+          <a:p>
+            <a:pPr algn="ctr"/>
+            <a:r>
+              <a:rPr lang="en-US" sz="5400" dirty="0">
+                <a:solidFill>
+                  <a:schemeClr val="accent4"/>
+                </a:solidFill>
+              </a:rPr>
+              <a:t>G C D</a:t>
+            </a:r>
+            <a:endParaRPr lang="en-PH" sz="5400" dirty="0">
+              <a:solidFill>
+                <a:schemeClr val="accent4"/>
+              </a:solidFill>
+            </a:endParaRPr>
+          </a:p>
         </p:txBody>
       </p:sp>
     </p:spTree>
@@ -3838,6 +4027,630 @@
           </a:p>
         </p:txBody>
       </p:sp>
+      <p:sp>
+        <p:nvSpPr>
+          <p:cNvPr id="3" name="Rectangle 2">
+            <a:extLst>
+              <a:ext uri="{FF2B5EF4-FFF2-40B4-BE49-F238E27FC236}">
+                <a16:creationId xmlns:a16="http://schemas.microsoft.com/office/drawing/2014/main" id="{35AB2974-77EB-466D-9D2F-EDF75FA25D41}"/>
+              </a:ext>
+            </a:extLst>
+          </p:cNvPr>
+          <p:cNvSpPr/>
+          <p:nvPr/>
+        </p:nvSpPr>
+        <p:spPr>
+          <a:xfrm>
+            <a:off x="2103736" y="219889"/>
+            <a:ext cx="1786597" cy="970671"/>
+          </a:xfrm>
+          <a:prstGeom prst="rect">
+            <a:avLst/>
+          </a:prstGeom>
+          <a:noFill/>
+          <a:ln>
+            <a:noFill/>
+          </a:ln>
+        </p:spPr>
+        <p:style>
+          <a:lnRef idx="2">
+            <a:schemeClr val="accent1">
+              <a:shade val="50000"/>
+            </a:schemeClr>
+          </a:lnRef>
+          <a:fillRef idx="1">
+            <a:schemeClr val="accent1"/>
+          </a:fillRef>
+          <a:effectRef idx="0">
+            <a:schemeClr val="accent1"/>
+          </a:effectRef>
+          <a:fontRef idx="minor">
+            <a:schemeClr val="lt1"/>
+          </a:fontRef>
+        </p:style>
+        <p:txBody>
+          <a:bodyPr rtlCol="0" anchor="ctr"/>
+          <a:lstStyle>
+            <a:defPPr>
+              <a:defRPr lang="en-US"/>
+            </a:defPPr>
+            <a:lvl1pPr marL="0" algn="l" defTabSz="914400" rtl="0" eaLnBrk="1" latinLnBrk="0" hangingPunct="1">
+              <a:defRPr sz="1800" kern="1200">
+                <a:solidFill>
+                  <a:schemeClr val="lt1"/>
+                </a:solidFill>
+                <a:latin typeface="+mn-lt"/>
+                <a:ea typeface="+mn-ea"/>
+                <a:cs typeface="+mn-cs"/>
+              </a:defRPr>
+            </a:lvl1pPr>
+            <a:lvl2pPr marL="457200" algn="l" defTabSz="914400" rtl="0" eaLnBrk="1" latinLnBrk="0" hangingPunct="1">
+              <a:defRPr sz="1800" kern="1200">
+                <a:solidFill>
+                  <a:schemeClr val="lt1"/>
+                </a:solidFill>
+                <a:latin typeface="+mn-lt"/>
+                <a:ea typeface="+mn-ea"/>
+                <a:cs typeface="+mn-cs"/>
+              </a:defRPr>
+            </a:lvl2pPr>
+            <a:lvl3pPr marL="914400" algn="l" defTabSz="914400" rtl="0" eaLnBrk="1" latinLnBrk="0" hangingPunct="1">
+              <a:defRPr sz="1800" kern="1200">
+                <a:solidFill>
+                  <a:schemeClr val="lt1"/>
+                </a:solidFill>
+                <a:latin typeface="+mn-lt"/>
+                <a:ea typeface="+mn-ea"/>
+                <a:cs typeface="+mn-cs"/>
+              </a:defRPr>
+            </a:lvl3pPr>
+            <a:lvl4pPr marL="1371600" algn="l" defTabSz="914400" rtl="0" eaLnBrk="1" latinLnBrk="0" hangingPunct="1">
+              <a:defRPr sz="1800" kern="1200">
+                <a:solidFill>
+                  <a:schemeClr val="lt1"/>
+                </a:solidFill>
+                <a:latin typeface="+mn-lt"/>
+                <a:ea typeface="+mn-ea"/>
+                <a:cs typeface="+mn-cs"/>
+              </a:defRPr>
+            </a:lvl4pPr>
+            <a:lvl5pPr marL="1828800" algn="l" defTabSz="914400" rtl="0" eaLnBrk="1" latinLnBrk="0" hangingPunct="1">
+              <a:defRPr sz="1800" kern="1200">
+                <a:solidFill>
+                  <a:schemeClr val="lt1"/>
+                </a:solidFill>
+                <a:latin typeface="+mn-lt"/>
+                <a:ea typeface="+mn-ea"/>
+                <a:cs typeface="+mn-cs"/>
+              </a:defRPr>
+            </a:lvl5pPr>
+            <a:lvl6pPr marL="2286000" algn="l" defTabSz="914400" rtl="0" eaLnBrk="1" latinLnBrk="0" hangingPunct="1">
+              <a:defRPr sz="1800" kern="1200">
+                <a:solidFill>
+                  <a:schemeClr val="lt1"/>
+                </a:solidFill>
+                <a:latin typeface="+mn-lt"/>
+                <a:ea typeface="+mn-ea"/>
+                <a:cs typeface="+mn-cs"/>
+              </a:defRPr>
+            </a:lvl6pPr>
+            <a:lvl7pPr marL="2743200" algn="l" defTabSz="914400" rtl="0" eaLnBrk="1" latinLnBrk="0" hangingPunct="1">
+              <a:defRPr sz="1800" kern="1200">
+                <a:solidFill>
+                  <a:schemeClr val="lt1"/>
+                </a:solidFill>
+                <a:latin typeface="+mn-lt"/>
+                <a:ea typeface="+mn-ea"/>
+                <a:cs typeface="+mn-cs"/>
+              </a:defRPr>
+            </a:lvl7pPr>
+            <a:lvl8pPr marL="3200400" algn="l" defTabSz="914400" rtl="0" eaLnBrk="1" latinLnBrk="0" hangingPunct="1">
+              <a:defRPr sz="1800" kern="1200">
+                <a:solidFill>
+                  <a:schemeClr val="lt1"/>
+                </a:solidFill>
+                <a:latin typeface="+mn-lt"/>
+                <a:ea typeface="+mn-ea"/>
+                <a:cs typeface="+mn-cs"/>
+              </a:defRPr>
+            </a:lvl8pPr>
+            <a:lvl9pPr marL="3657600" algn="l" defTabSz="914400" rtl="0" eaLnBrk="1" latinLnBrk="0" hangingPunct="1">
+              <a:defRPr sz="1800" kern="1200">
+                <a:solidFill>
+                  <a:schemeClr val="lt1"/>
+                </a:solidFill>
+                <a:latin typeface="+mn-lt"/>
+                <a:ea typeface="+mn-ea"/>
+                <a:cs typeface="+mn-cs"/>
+              </a:defRPr>
+            </a:lvl9pPr>
+          </a:lstStyle>
+          <a:p>
+            <a:pPr algn="ctr"/>
+            <a:r>
+              <a:rPr lang="en-US" sz="5400" dirty="0">
+                <a:solidFill>
+                  <a:schemeClr val="accent4"/>
+                </a:solidFill>
+              </a:rPr>
+              <a:t>G</a:t>
+            </a:r>
+            <a:endParaRPr lang="en-PH" sz="5400" dirty="0">
+              <a:solidFill>
+                <a:schemeClr val="accent4"/>
+              </a:solidFill>
+            </a:endParaRPr>
+          </a:p>
+        </p:txBody>
+      </p:sp>
+      <p:sp>
+        <p:nvSpPr>
+          <p:cNvPr id="4" name="Rectangle 3">
+            <a:extLst>
+              <a:ext uri="{FF2B5EF4-FFF2-40B4-BE49-F238E27FC236}">
+                <a16:creationId xmlns:a16="http://schemas.microsoft.com/office/drawing/2014/main" id="{088DF2D4-0DB1-49B9-9C00-A08DEFE8C8D1}"/>
+              </a:ext>
+            </a:extLst>
+          </p:cNvPr>
+          <p:cNvSpPr/>
+          <p:nvPr/>
+        </p:nvSpPr>
+        <p:spPr>
+          <a:xfrm>
+            <a:off x="2210416" y="2201089"/>
+            <a:ext cx="1786597" cy="970671"/>
+          </a:xfrm>
+          <a:prstGeom prst="rect">
+            <a:avLst/>
+          </a:prstGeom>
+          <a:noFill/>
+          <a:ln>
+            <a:noFill/>
+          </a:ln>
+        </p:spPr>
+        <p:style>
+          <a:lnRef idx="2">
+            <a:schemeClr val="accent1">
+              <a:shade val="50000"/>
+            </a:schemeClr>
+          </a:lnRef>
+          <a:fillRef idx="1">
+            <a:schemeClr val="accent1"/>
+          </a:fillRef>
+          <a:effectRef idx="0">
+            <a:schemeClr val="accent1"/>
+          </a:effectRef>
+          <a:fontRef idx="minor">
+            <a:schemeClr val="lt1"/>
+          </a:fontRef>
+        </p:style>
+        <p:txBody>
+          <a:bodyPr rtlCol="0" anchor="ctr"/>
+          <a:lstStyle>
+            <a:defPPr>
+              <a:defRPr lang="en-US"/>
+            </a:defPPr>
+            <a:lvl1pPr marL="0" algn="l" defTabSz="914400" rtl="0" eaLnBrk="1" latinLnBrk="0" hangingPunct="1">
+              <a:defRPr sz="1800" kern="1200">
+                <a:solidFill>
+                  <a:schemeClr val="lt1"/>
+                </a:solidFill>
+                <a:latin typeface="+mn-lt"/>
+                <a:ea typeface="+mn-ea"/>
+                <a:cs typeface="+mn-cs"/>
+              </a:defRPr>
+            </a:lvl1pPr>
+            <a:lvl2pPr marL="457200" algn="l" defTabSz="914400" rtl="0" eaLnBrk="1" latinLnBrk="0" hangingPunct="1">
+              <a:defRPr sz="1800" kern="1200">
+                <a:solidFill>
+                  <a:schemeClr val="lt1"/>
+                </a:solidFill>
+                <a:latin typeface="+mn-lt"/>
+                <a:ea typeface="+mn-ea"/>
+                <a:cs typeface="+mn-cs"/>
+              </a:defRPr>
+            </a:lvl2pPr>
+            <a:lvl3pPr marL="914400" algn="l" defTabSz="914400" rtl="0" eaLnBrk="1" latinLnBrk="0" hangingPunct="1">
+              <a:defRPr sz="1800" kern="1200">
+                <a:solidFill>
+                  <a:schemeClr val="lt1"/>
+                </a:solidFill>
+                <a:latin typeface="+mn-lt"/>
+                <a:ea typeface="+mn-ea"/>
+                <a:cs typeface="+mn-cs"/>
+              </a:defRPr>
+            </a:lvl3pPr>
+            <a:lvl4pPr marL="1371600" algn="l" defTabSz="914400" rtl="0" eaLnBrk="1" latinLnBrk="0" hangingPunct="1">
+              <a:defRPr sz="1800" kern="1200">
+                <a:solidFill>
+                  <a:schemeClr val="lt1"/>
+                </a:solidFill>
+                <a:latin typeface="+mn-lt"/>
+                <a:ea typeface="+mn-ea"/>
+                <a:cs typeface="+mn-cs"/>
+              </a:defRPr>
+            </a:lvl4pPr>
+            <a:lvl5pPr marL="1828800" algn="l" defTabSz="914400" rtl="0" eaLnBrk="1" latinLnBrk="0" hangingPunct="1">
+              <a:defRPr sz="1800" kern="1200">
+                <a:solidFill>
+                  <a:schemeClr val="lt1"/>
+                </a:solidFill>
+                <a:latin typeface="+mn-lt"/>
+                <a:ea typeface="+mn-ea"/>
+                <a:cs typeface="+mn-cs"/>
+              </a:defRPr>
+            </a:lvl5pPr>
+            <a:lvl6pPr marL="2286000" algn="l" defTabSz="914400" rtl="0" eaLnBrk="1" latinLnBrk="0" hangingPunct="1">
+              <a:defRPr sz="1800" kern="1200">
+                <a:solidFill>
+                  <a:schemeClr val="lt1"/>
+                </a:solidFill>
+                <a:latin typeface="+mn-lt"/>
+                <a:ea typeface="+mn-ea"/>
+                <a:cs typeface="+mn-cs"/>
+              </a:defRPr>
+            </a:lvl6pPr>
+            <a:lvl7pPr marL="2743200" algn="l" defTabSz="914400" rtl="0" eaLnBrk="1" latinLnBrk="0" hangingPunct="1">
+              <a:defRPr sz="1800" kern="1200">
+                <a:solidFill>
+                  <a:schemeClr val="lt1"/>
+                </a:solidFill>
+                <a:latin typeface="+mn-lt"/>
+                <a:ea typeface="+mn-ea"/>
+                <a:cs typeface="+mn-cs"/>
+              </a:defRPr>
+            </a:lvl7pPr>
+            <a:lvl8pPr marL="3200400" algn="l" defTabSz="914400" rtl="0" eaLnBrk="1" latinLnBrk="0" hangingPunct="1">
+              <a:defRPr sz="1800" kern="1200">
+                <a:solidFill>
+                  <a:schemeClr val="lt1"/>
+                </a:solidFill>
+                <a:latin typeface="+mn-lt"/>
+                <a:ea typeface="+mn-ea"/>
+                <a:cs typeface="+mn-cs"/>
+              </a:defRPr>
+            </a:lvl8pPr>
+            <a:lvl9pPr marL="3657600" algn="l" defTabSz="914400" rtl="0" eaLnBrk="1" latinLnBrk="0" hangingPunct="1">
+              <a:defRPr sz="1800" kern="1200">
+                <a:solidFill>
+                  <a:schemeClr val="lt1"/>
+                </a:solidFill>
+                <a:latin typeface="+mn-lt"/>
+                <a:ea typeface="+mn-ea"/>
+                <a:cs typeface="+mn-cs"/>
+              </a:defRPr>
+            </a:lvl9pPr>
+          </a:lstStyle>
+          <a:p>
+            <a:pPr algn="ctr"/>
+            <a:r>
+              <a:rPr lang="en-US" sz="5400" dirty="0">
+                <a:solidFill>
+                  <a:schemeClr val="accent4"/>
+                </a:solidFill>
+              </a:rPr>
+              <a:t>D</a:t>
+            </a:r>
+            <a:endParaRPr lang="en-PH" sz="5400" dirty="0">
+              <a:solidFill>
+                <a:schemeClr val="accent4"/>
+              </a:solidFill>
+            </a:endParaRPr>
+          </a:p>
+        </p:txBody>
+      </p:sp>
+      <p:sp>
+        <p:nvSpPr>
+          <p:cNvPr id="5" name="Rectangle 4">
+            <a:extLst>
+              <a:ext uri="{FF2B5EF4-FFF2-40B4-BE49-F238E27FC236}">
+                <a16:creationId xmlns:a16="http://schemas.microsoft.com/office/drawing/2014/main" id="{BD32FDF0-5DE5-488E-AE3E-DF7EF0BFAFE6}"/>
+              </a:ext>
+            </a:extLst>
+          </p:cNvPr>
+          <p:cNvSpPr/>
+          <p:nvPr/>
+        </p:nvSpPr>
+        <p:spPr>
+          <a:xfrm>
+            <a:off x="981837" y="3740330"/>
+            <a:ext cx="1786597" cy="970671"/>
+          </a:xfrm>
+          <a:prstGeom prst="rect">
+            <a:avLst/>
+          </a:prstGeom>
+          <a:noFill/>
+          <a:ln>
+            <a:noFill/>
+          </a:ln>
+        </p:spPr>
+        <p:style>
+          <a:lnRef idx="2">
+            <a:schemeClr val="accent1">
+              <a:shade val="50000"/>
+            </a:schemeClr>
+          </a:lnRef>
+          <a:fillRef idx="1">
+            <a:schemeClr val="accent1"/>
+          </a:fillRef>
+          <a:effectRef idx="0">
+            <a:schemeClr val="accent1"/>
+          </a:effectRef>
+          <a:fontRef idx="minor">
+            <a:schemeClr val="lt1"/>
+          </a:fontRef>
+        </p:style>
+        <p:txBody>
+          <a:bodyPr rtlCol="0" anchor="ctr"/>
+          <a:lstStyle>
+            <a:defPPr>
+              <a:defRPr lang="en-US"/>
+            </a:defPPr>
+            <a:lvl1pPr marL="0" algn="l" defTabSz="914400" rtl="0" eaLnBrk="1" latinLnBrk="0" hangingPunct="1">
+              <a:defRPr sz="1800" kern="1200">
+                <a:solidFill>
+                  <a:schemeClr val="lt1"/>
+                </a:solidFill>
+                <a:latin typeface="+mn-lt"/>
+                <a:ea typeface="+mn-ea"/>
+                <a:cs typeface="+mn-cs"/>
+              </a:defRPr>
+            </a:lvl1pPr>
+            <a:lvl2pPr marL="457200" algn="l" defTabSz="914400" rtl="0" eaLnBrk="1" latinLnBrk="0" hangingPunct="1">
+              <a:defRPr sz="1800" kern="1200">
+                <a:solidFill>
+                  <a:schemeClr val="lt1"/>
+                </a:solidFill>
+                <a:latin typeface="+mn-lt"/>
+                <a:ea typeface="+mn-ea"/>
+                <a:cs typeface="+mn-cs"/>
+              </a:defRPr>
+            </a:lvl2pPr>
+            <a:lvl3pPr marL="914400" algn="l" defTabSz="914400" rtl="0" eaLnBrk="1" latinLnBrk="0" hangingPunct="1">
+              <a:defRPr sz="1800" kern="1200">
+                <a:solidFill>
+                  <a:schemeClr val="lt1"/>
+                </a:solidFill>
+                <a:latin typeface="+mn-lt"/>
+                <a:ea typeface="+mn-ea"/>
+                <a:cs typeface="+mn-cs"/>
+              </a:defRPr>
+            </a:lvl3pPr>
+            <a:lvl4pPr marL="1371600" algn="l" defTabSz="914400" rtl="0" eaLnBrk="1" latinLnBrk="0" hangingPunct="1">
+              <a:defRPr sz="1800" kern="1200">
+                <a:solidFill>
+                  <a:schemeClr val="lt1"/>
+                </a:solidFill>
+                <a:latin typeface="+mn-lt"/>
+                <a:ea typeface="+mn-ea"/>
+                <a:cs typeface="+mn-cs"/>
+              </a:defRPr>
+            </a:lvl4pPr>
+            <a:lvl5pPr marL="1828800" algn="l" defTabSz="914400" rtl="0" eaLnBrk="1" latinLnBrk="0" hangingPunct="1">
+              <a:defRPr sz="1800" kern="1200">
+                <a:solidFill>
+                  <a:schemeClr val="lt1"/>
+                </a:solidFill>
+                <a:latin typeface="+mn-lt"/>
+                <a:ea typeface="+mn-ea"/>
+                <a:cs typeface="+mn-cs"/>
+              </a:defRPr>
+            </a:lvl5pPr>
+            <a:lvl6pPr marL="2286000" algn="l" defTabSz="914400" rtl="0" eaLnBrk="1" latinLnBrk="0" hangingPunct="1">
+              <a:defRPr sz="1800" kern="1200">
+                <a:solidFill>
+                  <a:schemeClr val="lt1"/>
+                </a:solidFill>
+                <a:latin typeface="+mn-lt"/>
+                <a:ea typeface="+mn-ea"/>
+                <a:cs typeface="+mn-cs"/>
+              </a:defRPr>
+            </a:lvl6pPr>
+            <a:lvl7pPr marL="2743200" algn="l" defTabSz="914400" rtl="0" eaLnBrk="1" latinLnBrk="0" hangingPunct="1">
+              <a:defRPr sz="1800" kern="1200">
+                <a:solidFill>
+                  <a:schemeClr val="lt1"/>
+                </a:solidFill>
+                <a:latin typeface="+mn-lt"/>
+                <a:ea typeface="+mn-ea"/>
+                <a:cs typeface="+mn-cs"/>
+              </a:defRPr>
+            </a:lvl7pPr>
+            <a:lvl8pPr marL="3200400" algn="l" defTabSz="914400" rtl="0" eaLnBrk="1" latinLnBrk="0" hangingPunct="1">
+              <a:defRPr sz="1800" kern="1200">
+                <a:solidFill>
+                  <a:schemeClr val="lt1"/>
+                </a:solidFill>
+                <a:latin typeface="+mn-lt"/>
+                <a:ea typeface="+mn-ea"/>
+                <a:cs typeface="+mn-cs"/>
+              </a:defRPr>
+            </a:lvl8pPr>
+            <a:lvl9pPr marL="3657600" algn="l" defTabSz="914400" rtl="0" eaLnBrk="1" latinLnBrk="0" hangingPunct="1">
+              <a:defRPr sz="1800" kern="1200">
+                <a:solidFill>
+                  <a:schemeClr val="lt1"/>
+                </a:solidFill>
+                <a:latin typeface="+mn-lt"/>
+                <a:ea typeface="+mn-ea"/>
+                <a:cs typeface="+mn-cs"/>
+              </a:defRPr>
+            </a:lvl9pPr>
+          </a:lstStyle>
+          <a:p>
+            <a:pPr algn="ctr"/>
+            <a:r>
+              <a:rPr lang="en-US" sz="5400" dirty="0">
+                <a:solidFill>
+                  <a:schemeClr val="accent4"/>
+                </a:solidFill>
+              </a:rPr>
+              <a:t>C</a:t>
+            </a:r>
+            <a:endParaRPr lang="en-PH" sz="5400" dirty="0">
+              <a:solidFill>
+                <a:schemeClr val="accent4"/>
+              </a:solidFill>
+            </a:endParaRPr>
+          </a:p>
+        </p:txBody>
+      </p:sp>
+      <p:sp>
+        <p:nvSpPr>
+          <p:cNvPr id="7" name="Rectangle 6">
+            <a:extLst>
+              <a:ext uri="{FF2B5EF4-FFF2-40B4-BE49-F238E27FC236}">
+                <a16:creationId xmlns:a16="http://schemas.microsoft.com/office/drawing/2014/main" id="{8F73E127-6167-4468-9362-EB87A12E48BC}"/>
+              </a:ext>
+            </a:extLst>
+          </p:cNvPr>
+          <p:cNvSpPr/>
+          <p:nvPr/>
+        </p:nvSpPr>
+        <p:spPr>
+          <a:xfrm>
+            <a:off x="7260717" y="3755570"/>
+            <a:ext cx="1786597" cy="970671"/>
+          </a:xfrm>
+          <a:prstGeom prst="rect">
+            <a:avLst/>
+          </a:prstGeom>
+          <a:noFill/>
+          <a:ln>
+            <a:noFill/>
+          </a:ln>
+        </p:spPr>
+        <p:style>
+          <a:lnRef idx="2">
+            <a:schemeClr val="accent1">
+              <a:shade val="50000"/>
+            </a:schemeClr>
+          </a:lnRef>
+          <a:fillRef idx="1">
+            <a:schemeClr val="accent1"/>
+          </a:fillRef>
+          <a:effectRef idx="0">
+            <a:schemeClr val="accent1"/>
+          </a:effectRef>
+          <a:fontRef idx="minor">
+            <a:schemeClr val="lt1"/>
+          </a:fontRef>
+        </p:style>
+        <p:txBody>
+          <a:bodyPr rtlCol="0" anchor="ctr"/>
+          <a:lstStyle>
+            <a:defPPr>
+              <a:defRPr lang="en-US"/>
+            </a:defPPr>
+            <a:lvl1pPr marL="0" algn="l" defTabSz="914400" rtl="0" eaLnBrk="1" latinLnBrk="0" hangingPunct="1">
+              <a:defRPr sz="1800" kern="1200">
+                <a:solidFill>
+                  <a:schemeClr val="lt1"/>
+                </a:solidFill>
+                <a:latin typeface="+mn-lt"/>
+                <a:ea typeface="+mn-ea"/>
+                <a:cs typeface="+mn-cs"/>
+              </a:defRPr>
+            </a:lvl1pPr>
+            <a:lvl2pPr marL="457200" algn="l" defTabSz="914400" rtl="0" eaLnBrk="1" latinLnBrk="0" hangingPunct="1">
+              <a:defRPr sz="1800" kern="1200">
+                <a:solidFill>
+                  <a:schemeClr val="lt1"/>
+                </a:solidFill>
+                <a:latin typeface="+mn-lt"/>
+                <a:ea typeface="+mn-ea"/>
+                <a:cs typeface="+mn-cs"/>
+              </a:defRPr>
+            </a:lvl2pPr>
+            <a:lvl3pPr marL="914400" algn="l" defTabSz="914400" rtl="0" eaLnBrk="1" latinLnBrk="0" hangingPunct="1">
+              <a:defRPr sz="1800" kern="1200">
+                <a:solidFill>
+                  <a:schemeClr val="lt1"/>
+                </a:solidFill>
+                <a:latin typeface="+mn-lt"/>
+                <a:ea typeface="+mn-ea"/>
+                <a:cs typeface="+mn-cs"/>
+              </a:defRPr>
+            </a:lvl3pPr>
+            <a:lvl4pPr marL="1371600" algn="l" defTabSz="914400" rtl="0" eaLnBrk="1" latinLnBrk="0" hangingPunct="1">
+              <a:defRPr sz="1800" kern="1200">
+                <a:solidFill>
+                  <a:schemeClr val="lt1"/>
+                </a:solidFill>
+                <a:latin typeface="+mn-lt"/>
+                <a:ea typeface="+mn-ea"/>
+                <a:cs typeface="+mn-cs"/>
+              </a:defRPr>
+            </a:lvl4pPr>
+            <a:lvl5pPr marL="1828800" algn="l" defTabSz="914400" rtl="0" eaLnBrk="1" latinLnBrk="0" hangingPunct="1">
+              <a:defRPr sz="1800" kern="1200">
+                <a:solidFill>
+                  <a:schemeClr val="lt1"/>
+                </a:solidFill>
+                <a:latin typeface="+mn-lt"/>
+                <a:ea typeface="+mn-ea"/>
+                <a:cs typeface="+mn-cs"/>
+              </a:defRPr>
+            </a:lvl5pPr>
+            <a:lvl6pPr marL="2286000" algn="l" defTabSz="914400" rtl="0" eaLnBrk="1" latinLnBrk="0" hangingPunct="1">
+              <a:defRPr sz="1800" kern="1200">
+                <a:solidFill>
+                  <a:schemeClr val="lt1"/>
+                </a:solidFill>
+                <a:latin typeface="+mn-lt"/>
+                <a:ea typeface="+mn-ea"/>
+                <a:cs typeface="+mn-cs"/>
+              </a:defRPr>
+            </a:lvl6pPr>
+            <a:lvl7pPr marL="2743200" algn="l" defTabSz="914400" rtl="0" eaLnBrk="1" latinLnBrk="0" hangingPunct="1">
+              <a:defRPr sz="1800" kern="1200">
+                <a:solidFill>
+                  <a:schemeClr val="lt1"/>
+                </a:solidFill>
+                <a:latin typeface="+mn-lt"/>
+                <a:ea typeface="+mn-ea"/>
+                <a:cs typeface="+mn-cs"/>
+              </a:defRPr>
+            </a:lvl7pPr>
+            <a:lvl8pPr marL="3200400" algn="l" defTabSz="914400" rtl="0" eaLnBrk="1" latinLnBrk="0" hangingPunct="1">
+              <a:defRPr sz="1800" kern="1200">
+                <a:solidFill>
+                  <a:schemeClr val="lt1"/>
+                </a:solidFill>
+                <a:latin typeface="+mn-lt"/>
+                <a:ea typeface="+mn-ea"/>
+                <a:cs typeface="+mn-cs"/>
+              </a:defRPr>
+            </a:lvl8pPr>
+            <a:lvl9pPr marL="3657600" algn="l" defTabSz="914400" rtl="0" eaLnBrk="1" latinLnBrk="0" hangingPunct="1">
+              <a:defRPr sz="1800" kern="1200">
+                <a:solidFill>
+                  <a:schemeClr val="lt1"/>
+                </a:solidFill>
+                <a:latin typeface="+mn-lt"/>
+                <a:ea typeface="+mn-ea"/>
+                <a:cs typeface="+mn-cs"/>
+              </a:defRPr>
+            </a:lvl9pPr>
+          </a:lstStyle>
+          <a:p>
+            <a:pPr algn="ctr"/>
+            <a:r>
+              <a:rPr lang="en-US" sz="5400" dirty="0">
+                <a:solidFill>
+                  <a:schemeClr val="accent4"/>
+                </a:solidFill>
+              </a:rPr>
+              <a:t>G</a:t>
+            </a:r>
+            <a:endParaRPr lang="en-PH" sz="5400" dirty="0">
+              <a:solidFill>
+                <a:schemeClr val="accent4"/>
+              </a:solidFill>
+            </a:endParaRPr>
+          </a:p>
+        </p:txBody>
+      </p:sp>
     </p:spTree>
     <p:extLst>
       <p:ext uri="{BB962C8B-B14F-4D97-AF65-F5344CB8AC3E}">
@@ -3886,7 +4699,7 @@
         </p:spPr>
         <p:txBody>
           <a:bodyPr anchor="ctr">
-            <a:normAutofit/>
+            <a:normAutofit fontScale="90000"/>
           </a:bodyPr>
           <a:lstStyle/>
           <a:p>
@@ -3910,6 +4723,26 @@
                 <a:cs typeface="Times New Roman" panose="02020603050405020304" pitchFamily="18" charset="0"/>
               </a:rPr>
             </a:br>
+            <a:r>
+              <a:rPr lang="en-US" sz="11500" dirty="0" err="1">
+                <a:solidFill>
+                  <a:schemeClr val="bg1"/>
+                </a:solidFill>
+                <a:latin typeface="Times New Roman" panose="02020603050405020304" pitchFamily="18" charset="0"/>
+                <a:cs typeface="Times New Roman" panose="02020603050405020304" pitchFamily="18" charset="0"/>
+              </a:rPr>
+              <a:t>Kini</a:t>
+            </a:r>
+            <a:r>
+              <a:rPr lang="en-US" sz="11500" dirty="0">
+                <a:solidFill>
+                  <a:schemeClr val="bg1"/>
+                </a:solidFill>
+                <a:latin typeface="Times New Roman" panose="02020603050405020304" pitchFamily="18" charset="0"/>
+                <a:cs typeface="Times New Roman" panose="02020603050405020304" pitchFamily="18" charset="0"/>
+              </a:rPr>
+              <a:t> </a:t>
+            </a:r>
             <a:r>
               <a:rPr lang="pl-PL" sz="11500" dirty="0">
                 <a:solidFill>
@@ -3926,6 +4759,1098 @@
               </a:solidFill>
               <a:latin typeface="Times New Roman" panose="02020603050405020304" pitchFamily="18" charset="0"/>
               <a:cs typeface="Times New Roman" panose="02020603050405020304" pitchFamily="18" charset="0"/>
+            </a:endParaRPr>
+          </a:p>
+        </p:txBody>
+      </p:sp>
+      <p:sp>
+        <p:nvSpPr>
+          <p:cNvPr id="3" name="Rectangle 2">
+            <a:extLst>
+              <a:ext uri="{FF2B5EF4-FFF2-40B4-BE49-F238E27FC236}">
+                <a16:creationId xmlns:a16="http://schemas.microsoft.com/office/drawing/2014/main" id="{B1936BA5-433C-44A5-AFE5-3F2611C75E5E}"/>
+              </a:ext>
+            </a:extLst>
+          </p:cNvPr>
+          <p:cNvSpPr/>
+          <p:nvPr/>
+        </p:nvSpPr>
+        <p:spPr>
+          <a:xfrm>
+            <a:off x="296037" y="-91440"/>
+            <a:ext cx="1786597" cy="970671"/>
+          </a:xfrm>
+          <a:prstGeom prst="rect">
+            <a:avLst/>
+          </a:prstGeom>
+          <a:noFill/>
+          <a:ln>
+            <a:noFill/>
+          </a:ln>
+        </p:spPr>
+        <p:style>
+          <a:lnRef idx="2">
+            <a:schemeClr val="accent1">
+              <a:shade val="50000"/>
+            </a:schemeClr>
+          </a:lnRef>
+          <a:fillRef idx="1">
+            <a:schemeClr val="accent1"/>
+          </a:fillRef>
+          <a:effectRef idx="0">
+            <a:schemeClr val="accent1"/>
+          </a:effectRef>
+          <a:fontRef idx="minor">
+            <a:schemeClr val="lt1"/>
+          </a:fontRef>
+        </p:style>
+        <p:txBody>
+          <a:bodyPr rtlCol="0" anchor="ctr"/>
+          <a:lstStyle>
+            <a:defPPr>
+              <a:defRPr lang="en-US"/>
+            </a:defPPr>
+            <a:lvl1pPr marL="0" algn="l" defTabSz="914400" rtl="0" eaLnBrk="1" latinLnBrk="0" hangingPunct="1">
+              <a:defRPr sz="1800" kern="1200">
+                <a:solidFill>
+                  <a:schemeClr val="lt1"/>
+                </a:solidFill>
+                <a:latin typeface="+mn-lt"/>
+                <a:ea typeface="+mn-ea"/>
+                <a:cs typeface="+mn-cs"/>
+              </a:defRPr>
+            </a:lvl1pPr>
+            <a:lvl2pPr marL="457200" algn="l" defTabSz="914400" rtl="0" eaLnBrk="1" latinLnBrk="0" hangingPunct="1">
+              <a:defRPr sz="1800" kern="1200">
+                <a:solidFill>
+                  <a:schemeClr val="lt1"/>
+                </a:solidFill>
+                <a:latin typeface="+mn-lt"/>
+                <a:ea typeface="+mn-ea"/>
+                <a:cs typeface="+mn-cs"/>
+              </a:defRPr>
+            </a:lvl2pPr>
+            <a:lvl3pPr marL="914400" algn="l" defTabSz="914400" rtl="0" eaLnBrk="1" latinLnBrk="0" hangingPunct="1">
+              <a:defRPr sz="1800" kern="1200">
+                <a:solidFill>
+                  <a:schemeClr val="lt1"/>
+                </a:solidFill>
+                <a:latin typeface="+mn-lt"/>
+                <a:ea typeface="+mn-ea"/>
+                <a:cs typeface="+mn-cs"/>
+              </a:defRPr>
+            </a:lvl3pPr>
+            <a:lvl4pPr marL="1371600" algn="l" defTabSz="914400" rtl="0" eaLnBrk="1" latinLnBrk="0" hangingPunct="1">
+              <a:defRPr sz="1800" kern="1200">
+                <a:solidFill>
+                  <a:schemeClr val="lt1"/>
+                </a:solidFill>
+                <a:latin typeface="+mn-lt"/>
+                <a:ea typeface="+mn-ea"/>
+                <a:cs typeface="+mn-cs"/>
+              </a:defRPr>
+            </a:lvl4pPr>
+            <a:lvl5pPr marL="1828800" algn="l" defTabSz="914400" rtl="0" eaLnBrk="1" latinLnBrk="0" hangingPunct="1">
+              <a:defRPr sz="1800" kern="1200">
+                <a:solidFill>
+                  <a:schemeClr val="lt1"/>
+                </a:solidFill>
+                <a:latin typeface="+mn-lt"/>
+                <a:ea typeface="+mn-ea"/>
+                <a:cs typeface="+mn-cs"/>
+              </a:defRPr>
+            </a:lvl5pPr>
+            <a:lvl6pPr marL="2286000" algn="l" defTabSz="914400" rtl="0" eaLnBrk="1" latinLnBrk="0" hangingPunct="1">
+              <a:defRPr sz="1800" kern="1200">
+                <a:solidFill>
+                  <a:schemeClr val="lt1"/>
+                </a:solidFill>
+                <a:latin typeface="+mn-lt"/>
+                <a:ea typeface="+mn-ea"/>
+                <a:cs typeface="+mn-cs"/>
+              </a:defRPr>
+            </a:lvl6pPr>
+            <a:lvl7pPr marL="2743200" algn="l" defTabSz="914400" rtl="0" eaLnBrk="1" latinLnBrk="0" hangingPunct="1">
+              <a:defRPr sz="1800" kern="1200">
+                <a:solidFill>
+                  <a:schemeClr val="lt1"/>
+                </a:solidFill>
+                <a:latin typeface="+mn-lt"/>
+                <a:ea typeface="+mn-ea"/>
+                <a:cs typeface="+mn-cs"/>
+              </a:defRPr>
+            </a:lvl7pPr>
+            <a:lvl8pPr marL="3200400" algn="l" defTabSz="914400" rtl="0" eaLnBrk="1" latinLnBrk="0" hangingPunct="1">
+              <a:defRPr sz="1800" kern="1200">
+                <a:solidFill>
+                  <a:schemeClr val="lt1"/>
+                </a:solidFill>
+                <a:latin typeface="+mn-lt"/>
+                <a:ea typeface="+mn-ea"/>
+                <a:cs typeface="+mn-cs"/>
+              </a:defRPr>
+            </a:lvl8pPr>
+            <a:lvl9pPr marL="3657600" algn="l" defTabSz="914400" rtl="0" eaLnBrk="1" latinLnBrk="0" hangingPunct="1">
+              <a:defRPr sz="1800" kern="1200">
+                <a:solidFill>
+                  <a:schemeClr val="lt1"/>
+                </a:solidFill>
+                <a:latin typeface="+mn-lt"/>
+                <a:ea typeface="+mn-ea"/>
+                <a:cs typeface="+mn-cs"/>
+              </a:defRPr>
+            </a:lvl9pPr>
+          </a:lstStyle>
+          <a:p>
+            <a:pPr algn="ctr"/>
+            <a:r>
+              <a:rPr lang="en-US" sz="5400" dirty="0">
+                <a:solidFill>
+                  <a:schemeClr val="accent4"/>
+                </a:solidFill>
+              </a:rPr>
+              <a:t>G</a:t>
+            </a:r>
+            <a:endParaRPr lang="en-PH" sz="5400" dirty="0">
+              <a:solidFill>
+                <a:schemeClr val="accent4"/>
+              </a:solidFill>
+            </a:endParaRPr>
+          </a:p>
+        </p:txBody>
+      </p:sp>
+      <p:sp>
+        <p:nvSpPr>
+          <p:cNvPr id="4" name="Rectangle 3">
+            <a:extLst>
+              <a:ext uri="{FF2B5EF4-FFF2-40B4-BE49-F238E27FC236}">
+                <a16:creationId xmlns:a16="http://schemas.microsoft.com/office/drawing/2014/main" id="{624F0E05-072B-4BE8-9C72-55B8A386D5DC}"/>
+              </a:ext>
+            </a:extLst>
+          </p:cNvPr>
+          <p:cNvSpPr/>
+          <p:nvPr/>
+        </p:nvSpPr>
+        <p:spPr>
+          <a:xfrm>
+            <a:off x="5462397" y="45720"/>
+            <a:ext cx="1786597" cy="970671"/>
+          </a:xfrm>
+          <a:prstGeom prst="rect">
+            <a:avLst/>
+          </a:prstGeom>
+          <a:noFill/>
+          <a:ln>
+            <a:noFill/>
+          </a:ln>
+        </p:spPr>
+        <p:style>
+          <a:lnRef idx="2">
+            <a:schemeClr val="accent1">
+              <a:shade val="50000"/>
+            </a:schemeClr>
+          </a:lnRef>
+          <a:fillRef idx="1">
+            <a:schemeClr val="accent1"/>
+          </a:fillRef>
+          <a:effectRef idx="0">
+            <a:schemeClr val="accent1"/>
+          </a:effectRef>
+          <a:fontRef idx="minor">
+            <a:schemeClr val="lt1"/>
+          </a:fontRef>
+        </p:style>
+        <p:txBody>
+          <a:bodyPr rtlCol="0" anchor="ctr"/>
+          <a:lstStyle>
+            <a:defPPr>
+              <a:defRPr lang="en-US"/>
+            </a:defPPr>
+            <a:lvl1pPr marL="0" algn="l" defTabSz="914400" rtl="0" eaLnBrk="1" latinLnBrk="0" hangingPunct="1">
+              <a:defRPr sz="1800" kern="1200">
+                <a:solidFill>
+                  <a:schemeClr val="lt1"/>
+                </a:solidFill>
+                <a:latin typeface="+mn-lt"/>
+                <a:ea typeface="+mn-ea"/>
+                <a:cs typeface="+mn-cs"/>
+              </a:defRPr>
+            </a:lvl1pPr>
+            <a:lvl2pPr marL="457200" algn="l" defTabSz="914400" rtl="0" eaLnBrk="1" latinLnBrk="0" hangingPunct="1">
+              <a:defRPr sz="1800" kern="1200">
+                <a:solidFill>
+                  <a:schemeClr val="lt1"/>
+                </a:solidFill>
+                <a:latin typeface="+mn-lt"/>
+                <a:ea typeface="+mn-ea"/>
+                <a:cs typeface="+mn-cs"/>
+              </a:defRPr>
+            </a:lvl2pPr>
+            <a:lvl3pPr marL="914400" algn="l" defTabSz="914400" rtl="0" eaLnBrk="1" latinLnBrk="0" hangingPunct="1">
+              <a:defRPr sz="1800" kern="1200">
+                <a:solidFill>
+                  <a:schemeClr val="lt1"/>
+                </a:solidFill>
+                <a:latin typeface="+mn-lt"/>
+                <a:ea typeface="+mn-ea"/>
+                <a:cs typeface="+mn-cs"/>
+              </a:defRPr>
+            </a:lvl3pPr>
+            <a:lvl4pPr marL="1371600" algn="l" defTabSz="914400" rtl="0" eaLnBrk="1" latinLnBrk="0" hangingPunct="1">
+              <a:defRPr sz="1800" kern="1200">
+                <a:solidFill>
+                  <a:schemeClr val="lt1"/>
+                </a:solidFill>
+                <a:latin typeface="+mn-lt"/>
+                <a:ea typeface="+mn-ea"/>
+                <a:cs typeface="+mn-cs"/>
+              </a:defRPr>
+            </a:lvl4pPr>
+            <a:lvl5pPr marL="1828800" algn="l" defTabSz="914400" rtl="0" eaLnBrk="1" latinLnBrk="0" hangingPunct="1">
+              <a:defRPr sz="1800" kern="1200">
+                <a:solidFill>
+                  <a:schemeClr val="lt1"/>
+                </a:solidFill>
+                <a:latin typeface="+mn-lt"/>
+                <a:ea typeface="+mn-ea"/>
+                <a:cs typeface="+mn-cs"/>
+              </a:defRPr>
+            </a:lvl5pPr>
+            <a:lvl6pPr marL="2286000" algn="l" defTabSz="914400" rtl="0" eaLnBrk="1" latinLnBrk="0" hangingPunct="1">
+              <a:defRPr sz="1800" kern="1200">
+                <a:solidFill>
+                  <a:schemeClr val="lt1"/>
+                </a:solidFill>
+                <a:latin typeface="+mn-lt"/>
+                <a:ea typeface="+mn-ea"/>
+                <a:cs typeface="+mn-cs"/>
+              </a:defRPr>
+            </a:lvl6pPr>
+            <a:lvl7pPr marL="2743200" algn="l" defTabSz="914400" rtl="0" eaLnBrk="1" latinLnBrk="0" hangingPunct="1">
+              <a:defRPr sz="1800" kern="1200">
+                <a:solidFill>
+                  <a:schemeClr val="lt1"/>
+                </a:solidFill>
+                <a:latin typeface="+mn-lt"/>
+                <a:ea typeface="+mn-ea"/>
+                <a:cs typeface="+mn-cs"/>
+              </a:defRPr>
+            </a:lvl7pPr>
+            <a:lvl8pPr marL="3200400" algn="l" defTabSz="914400" rtl="0" eaLnBrk="1" latinLnBrk="0" hangingPunct="1">
+              <a:defRPr sz="1800" kern="1200">
+                <a:solidFill>
+                  <a:schemeClr val="lt1"/>
+                </a:solidFill>
+                <a:latin typeface="+mn-lt"/>
+                <a:ea typeface="+mn-ea"/>
+                <a:cs typeface="+mn-cs"/>
+              </a:defRPr>
+            </a:lvl8pPr>
+            <a:lvl9pPr marL="3657600" algn="l" defTabSz="914400" rtl="0" eaLnBrk="1" latinLnBrk="0" hangingPunct="1">
+              <a:defRPr sz="1800" kern="1200">
+                <a:solidFill>
+                  <a:schemeClr val="lt1"/>
+                </a:solidFill>
+                <a:latin typeface="+mn-lt"/>
+                <a:ea typeface="+mn-ea"/>
+                <a:cs typeface="+mn-cs"/>
+              </a:defRPr>
+            </a:lvl9pPr>
+          </a:lstStyle>
+          <a:p>
+            <a:pPr algn="ctr"/>
+            <a:r>
+              <a:rPr lang="en-US" sz="5400" dirty="0">
+                <a:solidFill>
+                  <a:schemeClr val="accent4"/>
+                </a:solidFill>
+              </a:rPr>
+              <a:t>D</a:t>
+            </a:r>
+            <a:endParaRPr lang="en-PH" sz="5400" dirty="0">
+              <a:solidFill>
+                <a:schemeClr val="accent4"/>
+              </a:solidFill>
+            </a:endParaRPr>
+          </a:p>
+        </p:txBody>
+      </p:sp>
+      <p:sp>
+        <p:nvSpPr>
+          <p:cNvPr id="5" name="Rectangle 4">
+            <a:extLst>
+              <a:ext uri="{FF2B5EF4-FFF2-40B4-BE49-F238E27FC236}">
+                <a16:creationId xmlns:a16="http://schemas.microsoft.com/office/drawing/2014/main" id="{D0368104-0A75-43D5-AADA-80965CD43393}"/>
+              </a:ext>
+            </a:extLst>
+          </p:cNvPr>
+          <p:cNvSpPr/>
+          <p:nvPr/>
+        </p:nvSpPr>
+        <p:spPr>
+          <a:xfrm>
+            <a:off x="2582037" y="1431470"/>
+            <a:ext cx="1786597" cy="970671"/>
+          </a:xfrm>
+          <a:prstGeom prst="rect">
+            <a:avLst/>
+          </a:prstGeom>
+          <a:noFill/>
+          <a:ln>
+            <a:noFill/>
+          </a:ln>
+        </p:spPr>
+        <p:style>
+          <a:lnRef idx="2">
+            <a:schemeClr val="accent1">
+              <a:shade val="50000"/>
+            </a:schemeClr>
+          </a:lnRef>
+          <a:fillRef idx="1">
+            <a:schemeClr val="accent1"/>
+          </a:fillRef>
+          <a:effectRef idx="0">
+            <a:schemeClr val="accent1"/>
+          </a:effectRef>
+          <a:fontRef idx="minor">
+            <a:schemeClr val="lt1"/>
+          </a:fontRef>
+        </p:style>
+        <p:txBody>
+          <a:bodyPr rtlCol="0" anchor="ctr"/>
+          <a:lstStyle>
+            <a:defPPr>
+              <a:defRPr lang="en-US"/>
+            </a:defPPr>
+            <a:lvl1pPr marL="0" algn="l" defTabSz="914400" rtl="0" eaLnBrk="1" latinLnBrk="0" hangingPunct="1">
+              <a:defRPr sz="1800" kern="1200">
+                <a:solidFill>
+                  <a:schemeClr val="lt1"/>
+                </a:solidFill>
+                <a:latin typeface="+mn-lt"/>
+                <a:ea typeface="+mn-ea"/>
+                <a:cs typeface="+mn-cs"/>
+              </a:defRPr>
+            </a:lvl1pPr>
+            <a:lvl2pPr marL="457200" algn="l" defTabSz="914400" rtl="0" eaLnBrk="1" latinLnBrk="0" hangingPunct="1">
+              <a:defRPr sz="1800" kern="1200">
+                <a:solidFill>
+                  <a:schemeClr val="lt1"/>
+                </a:solidFill>
+                <a:latin typeface="+mn-lt"/>
+                <a:ea typeface="+mn-ea"/>
+                <a:cs typeface="+mn-cs"/>
+              </a:defRPr>
+            </a:lvl2pPr>
+            <a:lvl3pPr marL="914400" algn="l" defTabSz="914400" rtl="0" eaLnBrk="1" latinLnBrk="0" hangingPunct="1">
+              <a:defRPr sz="1800" kern="1200">
+                <a:solidFill>
+                  <a:schemeClr val="lt1"/>
+                </a:solidFill>
+                <a:latin typeface="+mn-lt"/>
+                <a:ea typeface="+mn-ea"/>
+                <a:cs typeface="+mn-cs"/>
+              </a:defRPr>
+            </a:lvl3pPr>
+            <a:lvl4pPr marL="1371600" algn="l" defTabSz="914400" rtl="0" eaLnBrk="1" latinLnBrk="0" hangingPunct="1">
+              <a:defRPr sz="1800" kern="1200">
+                <a:solidFill>
+                  <a:schemeClr val="lt1"/>
+                </a:solidFill>
+                <a:latin typeface="+mn-lt"/>
+                <a:ea typeface="+mn-ea"/>
+                <a:cs typeface="+mn-cs"/>
+              </a:defRPr>
+            </a:lvl4pPr>
+            <a:lvl5pPr marL="1828800" algn="l" defTabSz="914400" rtl="0" eaLnBrk="1" latinLnBrk="0" hangingPunct="1">
+              <a:defRPr sz="1800" kern="1200">
+                <a:solidFill>
+                  <a:schemeClr val="lt1"/>
+                </a:solidFill>
+                <a:latin typeface="+mn-lt"/>
+                <a:ea typeface="+mn-ea"/>
+                <a:cs typeface="+mn-cs"/>
+              </a:defRPr>
+            </a:lvl5pPr>
+            <a:lvl6pPr marL="2286000" algn="l" defTabSz="914400" rtl="0" eaLnBrk="1" latinLnBrk="0" hangingPunct="1">
+              <a:defRPr sz="1800" kern="1200">
+                <a:solidFill>
+                  <a:schemeClr val="lt1"/>
+                </a:solidFill>
+                <a:latin typeface="+mn-lt"/>
+                <a:ea typeface="+mn-ea"/>
+                <a:cs typeface="+mn-cs"/>
+              </a:defRPr>
+            </a:lvl6pPr>
+            <a:lvl7pPr marL="2743200" algn="l" defTabSz="914400" rtl="0" eaLnBrk="1" latinLnBrk="0" hangingPunct="1">
+              <a:defRPr sz="1800" kern="1200">
+                <a:solidFill>
+                  <a:schemeClr val="lt1"/>
+                </a:solidFill>
+                <a:latin typeface="+mn-lt"/>
+                <a:ea typeface="+mn-ea"/>
+                <a:cs typeface="+mn-cs"/>
+              </a:defRPr>
+            </a:lvl7pPr>
+            <a:lvl8pPr marL="3200400" algn="l" defTabSz="914400" rtl="0" eaLnBrk="1" latinLnBrk="0" hangingPunct="1">
+              <a:defRPr sz="1800" kern="1200">
+                <a:solidFill>
+                  <a:schemeClr val="lt1"/>
+                </a:solidFill>
+                <a:latin typeface="+mn-lt"/>
+                <a:ea typeface="+mn-ea"/>
+                <a:cs typeface="+mn-cs"/>
+              </a:defRPr>
+            </a:lvl8pPr>
+            <a:lvl9pPr marL="3657600" algn="l" defTabSz="914400" rtl="0" eaLnBrk="1" latinLnBrk="0" hangingPunct="1">
+              <a:defRPr sz="1800" kern="1200">
+                <a:solidFill>
+                  <a:schemeClr val="lt1"/>
+                </a:solidFill>
+                <a:latin typeface="+mn-lt"/>
+                <a:ea typeface="+mn-ea"/>
+                <a:cs typeface="+mn-cs"/>
+              </a:defRPr>
+            </a:lvl9pPr>
+          </a:lstStyle>
+          <a:p>
+            <a:pPr algn="ctr"/>
+            <a:r>
+              <a:rPr lang="en-US" sz="5400" dirty="0">
+                <a:solidFill>
+                  <a:schemeClr val="accent4"/>
+                </a:solidFill>
+              </a:rPr>
+              <a:t>C</a:t>
+            </a:r>
+            <a:endParaRPr lang="en-PH" sz="5400" dirty="0">
+              <a:solidFill>
+                <a:schemeClr val="accent4"/>
+              </a:solidFill>
+            </a:endParaRPr>
+          </a:p>
+        </p:txBody>
+      </p:sp>
+      <p:sp>
+        <p:nvSpPr>
+          <p:cNvPr id="7" name="Rectangle 6">
+            <a:extLst>
+              <a:ext uri="{FF2B5EF4-FFF2-40B4-BE49-F238E27FC236}">
+                <a16:creationId xmlns:a16="http://schemas.microsoft.com/office/drawing/2014/main" id="{DA2A9833-3FB9-47C6-85C1-8A3514E24601}"/>
+              </a:ext>
+            </a:extLst>
+          </p:cNvPr>
+          <p:cNvSpPr/>
+          <p:nvPr/>
+        </p:nvSpPr>
+        <p:spPr>
+          <a:xfrm>
+            <a:off x="7340434" y="1584621"/>
+            <a:ext cx="1786597" cy="970671"/>
+          </a:xfrm>
+          <a:prstGeom prst="rect">
+            <a:avLst/>
+          </a:prstGeom>
+          <a:noFill/>
+          <a:ln>
+            <a:noFill/>
+          </a:ln>
+        </p:spPr>
+        <p:style>
+          <a:lnRef idx="2">
+            <a:schemeClr val="accent1">
+              <a:shade val="50000"/>
+            </a:schemeClr>
+          </a:lnRef>
+          <a:fillRef idx="1">
+            <a:schemeClr val="accent1"/>
+          </a:fillRef>
+          <a:effectRef idx="0">
+            <a:schemeClr val="accent1"/>
+          </a:effectRef>
+          <a:fontRef idx="minor">
+            <a:schemeClr val="lt1"/>
+          </a:fontRef>
+        </p:style>
+        <p:txBody>
+          <a:bodyPr rtlCol="0" anchor="ctr"/>
+          <a:lstStyle>
+            <a:defPPr>
+              <a:defRPr lang="en-US"/>
+            </a:defPPr>
+            <a:lvl1pPr marL="0" algn="l" defTabSz="914400" rtl="0" eaLnBrk="1" latinLnBrk="0" hangingPunct="1">
+              <a:defRPr sz="1800" kern="1200">
+                <a:solidFill>
+                  <a:schemeClr val="lt1"/>
+                </a:solidFill>
+                <a:latin typeface="+mn-lt"/>
+                <a:ea typeface="+mn-ea"/>
+                <a:cs typeface="+mn-cs"/>
+              </a:defRPr>
+            </a:lvl1pPr>
+            <a:lvl2pPr marL="457200" algn="l" defTabSz="914400" rtl="0" eaLnBrk="1" latinLnBrk="0" hangingPunct="1">
+              <a:defRPr sz="1800" kern="1200">
+                <a:solidFill>
+                  <a:schemeClr val="lt1"/>
+                </a:solidFill>
+                <a:latin typeface="+mn-lt"/>
+                <a:ea typeface="+mn-ea"/>
+                <a:cs typeface="+mn-cs"/>
+              </a:defRPr>
+            </a:lvl2pPr>
+            <a:lvl3pPr marL="914400" algn="l" defTabSz="914400" rtl="0" eaLnBrk="1" latinLnBrk="0" hangingPunct="1">
+              <a:defRPr sz="1800" kern="1200">
+                <a:solidFill>
+                  <a:schemeClr val="lt1"/>
+                </a:solidFill>
+                <a:latin typeface="+mn-lt"/>
+                <a:ea typeface="+mn-ea"/>
+                <a:cs typeface="+mn-cs"/>
+              </a:defRPr>
+            </a:lvl3pPr>
+            <a:lvl4pPr marL="1371600" algn="l" defTabSz="914400" rtl="0" eaLnBrk="1" latinLnBrk="0" hangingPunct="1">
+              <a:defRPr sz="1800" kern="1200">
+                <a:solidFill>
+                  <a:schemeClr val="lt1"/>
+                </a:solidFill>
+                <a:latin typeface="+mn-lt"/>
+                <a:ea typeface="+mn-ea"/>
+                <a:cs typeface="+mn-cs"/>
+              </a:defRPr>
+            </a:lvl4pPr>
+            <a:lvl5pPr marL="1828800" algn="l" defTabSz="914400" rtl="0" eaLnBrk="1" latinLnBrk="0" hangingPunct="1">
+              <a:defRPr sz="1800" kern="1200">
+                <a:solidFill>
+                  <a:schemeClr val="lt1"/>
+                </a:solidFill>
+                <a:latin typeface="+mn-lt"/>
+                <a:ea typeface="+mn-ea"/>
+                <a:cs typeface="+mn-cs"/>
+              </a:defRPr>
+            </a:lvl5pPr>
+            <a:lvl6pPr marL="2286000" algn="l" defTabSz="914400" rtl="0" eaLnBrk="1" latinLnBrk="0" hangingPunct="1">
+              <a:defRPr sz="1800" kern="1200">
+                <a:solidFill>
+                  <a:schemeClr val="lt1"/>
+                </a:solidFill>
+                <a:latin typeface="+mn-lt"/>
+                <a:ea typeface="+mn-ea"/>
+                <a:cs typeface="+mn-cs"/>
+              </a:defRPr>
+            </a:lvl6pPr>
+            <a:lvl7pPr marL="2743200" algn="l" defTabSz="914400" rtl="0" eaLnBrk="1" latinLnBrk="0" hangingPunct="1">
+              <a:defRPr sz="1800" kern="1200">
+                <a:solidFill>
+                  <a:schemeClr val="lt1"/>
+                </a:solidFill>
+                <a:latin typeface="+mn-lt"/>
+                <a:ea typeface="+mn-ea"/>
+                <a:cs typeface="+mn-cs"/>
+              </a:defRPr>
+            </a:lvl7pPr>
+            <a:lvl8pPr marL="3200400" algn="l" defTabSz="914400" rtl="0" eaLnBrk="1" latinLnBrk="0" hangingPunct="1">
+              <a:defRPr sz="1800" kern="1200">
+                <a:solidFill>
+                  <a:schemeClr val="lt1"/>
+                </a:solidFill>
+                <a:latin typeface="+mn-lt"/>
+                <a:ea typeface="+mn-ea"/>
+                <a:cs typeface="+mn-cs"/>
+              </a:defRPr>
+            </a:lvl8pPr>
+            <a:lvl9pPr marL="3657600" algn="l" defTabSz="914400" rtl="0" eaLnBrk="1" latinLnBrk="0" hangingPunct="1">
+              <a:defRPr sz="1800" kern="1200">
+                <a:solidFill>
+                  <a:schemeClr val="lt1"/>
+                </a:solidFill>
+                <a:latin typeface="+mn-lt"/>
+                <a:ea typeface="+mn-ea"/>
+                <a:cs typeface="+mn-cs"/>
+              </a:defRPr>
+            </a:lvl9pPr>
+          </a:lstStyle>
+          <a:p>
+            <a:pPr algn="ctr"/>
+            <a:r>
+              <a:rPr lang="en-US" sz="5400" dirty="0">
+                <a:solidFill>
+                  <a:schemeClr val="accent4"/>
+                </a:solidFill>
+              </a:rPr>
+              <a:t>G</a:t>
+            </a:r>
+            <a:endParaRPr lang="en-PH" sz="5400" dirty="0">
+              <a:solidFill>
+                <a:schemeClr val="accent4"/>
+              </a:solidFill>
+            </a:endParaRPr>
+          </a:p>
+        </p:txBody>
+      </p:sp>
+      <p:sp>
+        <p:nvSpPr>
+          <p:cNvPr id="8" name="Rectangle 7">
+            <a:extLst>
+              <a:ext uri="{FF2B5EF4-FFF2-40B4-BE49-F238E27FC236}">
+                <a16:creationId xmlns:a16="http://schemas.microsoft.com/office/drawing/2014/main" id="{657BB358-2EE3-4971-B105-88F1A06B0070}"/>
+              </a:ext>
+            </a:extLst>
+          </p:cNvPr>
+          <p:cNvSpPr/>
+          <p:nvPr/>
+        </p:nvSpPr>
+        <p:spPr>
+          <a:xfrm>
+            <a:off x="67437" y="2848790"/>
+            <a:ext cx="1786597" cy="970671"/>
+          </a:xfrm>
+          <a:prstGeom prst="rect">
+            <a:avLst/>
+          </a:prstGeom>
+          <a:noFill/>
+          <a:ln>
+            <a:noFill/>
+          </a:ln>
+        </p:spPr>
+        <p:style>
+          <a:lnRef idx="2">
+            <a:schemeClr val="accent1">
+              <a:shade val="50000"/>
+            </a:schemeClr>
+          </a:lnRef>
+          <a:fillRef idx="1">
+            <a:schemeClr val="accent1"/>
+          </a:fillRef>
+          <a:effectRef idx="0">
+            <a:schemeClr val="accent1"/>
+          </a:effectRef>
+          <a:fontRef idx="minor">
+            <a:schemeClr val="lt1"/>
+          </a:fontRef>
+        </p:style>
+        <p:txBody>
+          <a:bodyPr rtlCol="0" anchor="ctr"/>
+          <a:lstStyle>
+            <a:defPPr>
+              <a:defRPr lang="en-US"/>
+            </a:defPPr>
+            <a:lvl1pPr marL="0" algn="l" defTabSz="914400" rtl="0" eaLnBrk="1" latinLnBrk="0" hangingPunct="1">
+              <a:defRPr sz="1800" kern="1200">
+                <a:solidFill>
+                  <a:schemeClr val="lt1"/>
+                </a:solidFill>
+                <a:latin typeface="+mn-lt"/>
+                <a:ea typeface="+mn-ea"/>
+                <a:cs typeface="+mn-cs"/>
+              </a:defRPr>
+            </a:lvl1pPr>
+            <a:lvl2pPr marL="457200" algn="l" defTabSz="914400" rtl="0" eaLnBrk="1" latinLnBrk="0" hangingPunct="1">
+              <a:defRPr sz="1800" kern="1200">
+                <a:solidFill>
+                  <a:schemeClr val="lt1"/>
+                </a:solidFill>
+                <a:latin typeface="+mn-lt"/>
+                <a:ea typeface="+mn-ea"/>
+                <a:cs typeface="+mn-cs"/>
+              </a:defRPr>
+            </a:lvl2pPr>
+            <a:lvl3pPr marL="914400" algn="l" defTabSz="914400" rtl="0" eaLnBrk="1" latinLnBrk="0" hangingPunct="1">
+              <a:defRPr sz="1800" kern="1200">
+                <a:solidFill>
+                  <a:schemeClr val="lt1"/>
+                </a:solidFill>
+                <a:latin typeface="+mn-lt"/>
+                <a:ea typeface="+mn-ea"/>
+                <a:cs typeface="+mn-cs"/>
+              </a:defRPr>
+            </a:lvl3pPr>
+            <a:lvl4pPr marL="1371600" algn="l" defTabSz="914400" rtl="0" eaLnBrk="1" latinLnBrk="0" hangingPunct="1">
+              <a:defRPr sz="1800" kern="1200">
+                <a:solidFill>
+                  <a:schemeClr val="lt1"/>
+                </a:solidFill>
+                <a:latin typeface="+mn-lt"/>
+                <a:ea typeface="+mn-ea"/>
+                <a:cs typeface="+mn-cs"/>
+              </a:defRPr>
+            </a:lvl4pPr>
+            <a:lvl5pPr marL="1828800" algn="l" defTabSz="914400" rtl="0" eaLnBrk="1" latinLnBrk="0" hangingPunct="1">
+              <a:defRPr sz="1800" kern="1200">
+                <a:solidFill>
+                  <a:schemeClr val="lt1"/>
+                </a:solidFill>
+                <a:latin typeface="+mn-lt"/>
+                <a:ea typeface="+mn-ea"/>
+                <a:cs typeface="+mn-cs"/>
+              </a:defRPr>
+            </a:lvl5pPr>
+            <a:lvl6pPr marL="2286000" algn="l" defTabSz="914400" rtl="0" eaLnBrk="1" latinLnBrk="0" hangingPunct="1">
+              <a:defRPr sz="1800" kern="1200">
+                <a:solidFill>
+                  <a:schemeClr val="lt1"/>
+                </a:solidFill>
+                <a:latin typeface="+mn-lt"/>
+                <a:ea typeface="+mn-ea"/>
+                <a:cs typeface="+mn-cs"/>
+              </a:defRPr>
+            </a:lvl6pPr>
+            <a:lvl7pPr marL="2743200" algn="l" defTabSz="914400" rtl="0" eaLnBrk="1" latinLnBrk="0" hangingPunct="1">
+              <a:defRPr sz="1800" kern="1200">
+                <a:solidFill>
+                  <a:schemeClr val="lt1"/>
+                </a:solidFill>
+                <a:latin typeface="+mn-lt"/>
+                <a:ea typeface="+mn-ea"/>
+                <a:cs typeface="+mn-cs"/>
+              </a:defRPr>
+            </a:lvl7pPr>
+            <a:lvl8pPr marL="3200400" algn="l" defTabSz="914400" rtl="0" eaLnBrk="1" latinLnBrk="0" hangingPunct="1">
+              <a:defRPr sz="1800" kern="1200">
+                <a:solidFill>
+                  <a:schemeClr val="lt1"/>
+                </a:solidFill>
+                <a:latin typeface="+mn-lt"/>
+                <a:ea typeface="+mn-ea"/>
+                <a:cs typeface="+mn-cs"/>
+              </a:defRPr>
+            </a:lvl8pPr>
+            <a:lvl9pPr marL="3657600" algn="l" defTabSz="914400" rtl="0" eaLnBrk="1" latinLnBrk="0" hangingPunct="1">
+              <a:defRPr sz="1800" kern="1200">
+                <a:solidFill>
+                  <a:schemeClr val="lt1"/>
+                </a:solidFill>
+                <a:latin typeface="+mn-lt"/>
+                <a:ea typeface="+mn-ea"/>
+                <a:cs typeface="+mn-cs"/>
+              </a:defRPr>
+            </a:lvl9pPr>
+          </a:lstStyle>
+          <a:p>
+            <a:pPr algn="ctr"/>
+            <a:r>
+              <a:rPr lang="en-US" sz="5400" dirty="0">
+                <a:solidFill>
+                  <a:schemeClr val="accent4"/>
+                </a:solidFill>
+              </a:rPr>
+              <a:t>Am</a:t>
+            </a:r>
+            <a:endParaRPr lang="en-PH" sz="5400" dirty="0">
+              <a:solidFill>
+                <a:schemeClr val="accent4"/>
+              </a:solidFill>
+            </a:endParaRPr>
+          </a:p>
+        </p:txBody>
+      </p:sp>
+      <p:sp>
+        <p:nvSpPr>
+          <p:cNvPr id="9" name="Rectangle 8">
+            <a:extLst>
+              <a:ext uri="{FF2B5EF4-FFF2-40B4-BE49-F238E27FC236}">
+                <a16:creationId xmlns:a16="http://schemas.microsoft.com/office/drawing/2014/main" id="{EC430A34-035E-4B4A-BB92-CD2CDAAB00AE}"/>
+              </a:ext>
+            </a:extLst>
+          </p:cNvPr>
+          <p:cNvSpPr/>
+          <p:nvPr/>
+        </p:nvSpPr>
+        <p:spPr>
+          <a:xfrm>
+            <a:off x="7611237" y="2920804"/>
+            <a:ext cx="1786597" cy="970671"/>
+          </a:xfrm>
+          <a:prstGeom prst="rect">
+            <a:avLst/>
+          </a:prstGeom>
+          <a:noFill/>
+          <a:ln>
+            <a:noFill/>
+          </a:ln>
+        </p:spPr>
+        <p:style>
+          <a:lnRef idx="2">
+            <a:schemeClr val="accent1">
+              <a:shade val="50000"/>
+            </a:schemeClr>
+          </a:lnRef>
+          <a:fillRef idx="1">
+            <a:schemeClr val="accent1"/>
+          </a:fillRef>
+          <a:effectRef idx="0">
+            <a:schemeClr val="accent1"/>
+          </a:effectRef>
+          <a:fontRef idx="minor">
+            <a:schemeClr val="lt1"/>
+          </a:fontRef>
+        </p:style>
+        <p:txBody>
+          <a:bodyPr rtlCol="0" anchor="ctr"/>
+          <a:lstStyle>
+            <a:defPPr>
+              <a:defRPr lang="en-US"/>
+            </a:defPPr>
+            <a:lvl1pPr marL="0" algn="l" defTabSz="914400" rtl="0" eaLnBrk="1" latinLnBrk="0" hangingPunct="1">
+              <a:defRPr sz="1800" kern="1200">
+                <a:solidFill>
+                  <a:schemeClr val="lt1"/>
+                </a:solidFill>
+                <a:latin typeface="+mn-lt"/>
+                <a:ea typeface="+mn-ea"/>
+                <a:cs typeface="+mn-cs"/>
+              </a:defRPr>
+            </a:lvl1pPr>
+            <a:lvl2pPr marL="457200" algn="l" defTabSz="914400" rtl="0" eaLnBrk="1" latinLnBrk="0" hangingPunct="1">
+              <a:defRPr sz="1800" kern="1200">
+                <a:solidFill>
+                  <a:schemeClr val="lt1"/>
+                </a:solidFill>
+                <a:latin typeface="+mn-lt"/>
+                <a:ea typeface="+mn-ea"/>
+                <a:cs typeface="+mn-cs"/>
+              </a:defRPr>
+            </a:lvl2pPr>
+            <a:lvl3pPr marL="914400" algn="l" defTabSz="914400" rtl="0" eaLnBrk="1" latinLnBrk="0" hangingPunct="1">
+              <a:defRPr sz="1800" kern="1200">
+                <a:solidFill>
+                  <a:schemeClr val="lt1"/>
+                </a:solidFill>
+                <a:latin typeface="+mn-lt"/>
+                <a:ea typeface="+mn-ea"/>
+                <a:cs typeface="+mn-cs"/>
+              </a:defRPr>
+            </a:lvl3pPr>
+            <a:lvl4pPr marL="1371600" algn="l" defTabSz="914400" rtl="0" eaLnBrk="1" latinLnBrk="0" hangingPunct="1">
+              <a:defRPr sz="1800" kern="1200">
+                <a:solidFill>
+                  <a:schemeClr val="lt1"/>
+                </a:solidFill>
+                <a:latin typeface="+mn-lt"/>
+                <a:ea typeface="+mn-ea"/>
+                <a:cs typeface="+mn-cs"/>
+              </a:defRPr>
+            </a:lvl4pPr>
+            <a:lvl5pPr marL="1828800" algn="l" defTabSz="914400" rtl="0" eaLnBrk="1" latinLnBrk="0" hangingPunct="1">
+              <a:defRPr sz="1800" kern="1200">
+                <a:solidFill>
+                  <a:schemeClr val="lt1"/>
+                </a:solidFill>
+                <a:latin typeface="+mn-lt"/>
+                <a:ea typeface="+mn-ea"/>
+                <a:cs typeface="+mn-cs"/>
+              </a:defRPr>
+            </a:lvl5pPr>
+            <a:lvl6pPr marL="2286000" algn="l" defTabSz="914400" rtl="0" eaLnBrk="1" latinLnBrk="0" hangingPunct="1">
+              <a:defRPr sz="1800" kern="1200">
+                <a:solidFill>
+                  <a:schemeClr val="lt1"/>
+                </a:solidFill>
+                <a:latin typeface="+mn-lt"/>
+                <a:ea typeface="+mn-ea"/>
+                <a:cs typeface="+mn-cs"/>
+              </a:defRPr>
+            </a:lvl6pPr>
+            <a:lvl7pPr marL="2743200" algn="l" defTabSz="914400" rtl="0" eaLnBrk="1" latinLnBrk="0" hangingPunct="1">
+              <a:defRPr sz="1800" kern="1200">
+                <a:solidFill>
+                  <a:schemeClr val="lt1"/>
+                </a:solidFill>
+                <a:latin typeface="+mn-lt"/>
+                <a:ea typeface="+mn-ea"/>
+                <a:cs typeface="+mn-cs"/>
+              </a:defRPr>
+            </a:lvl7pPr>
+            <a:lvl8pPr marL="3200400" algn="l" defTabSz="914400" rtl="0" eaLnBrk="1" latinLnBrk="0" hangingPunct="1">
+              <a:defRPr sz="1800" kern="1200">
+                <a:solidFill>
+                  <a:schemeClr val="lt1"/>
+                </a:solidFill>
+                <a:latin typeface="+mn-lt"/>
+                <a:ea typeface="+mn-ea"/>
+                <a:cs typeface="+mn-cs"/>
+              </a:defRPr>
+            </a:lvl8pPr>
+            <a:lvl9pPr marL="3657600" algn="l" defTabSz="914400" rtl="0" eaLnBrk="1" latinLnBrk="0" hangingPunct="1">
+              <a:defRPr sz="1800" kern="1200">
+                <a:solidFill>
+                  <a:schemeClr val="lt1"/>
+                </a:solidFill>
+                <a:latin typeface="+mn-lt"/>
+                <a:ea typeface="+mn-ea"/>
+                <a:cs typeface="+mn-cs"/>
+              </a:defRPr>
+            </a:lvl9pPr>
+          </a:lstStyle>
+          <a:p>
+            <a:pPr algn="ctr"/>
+            <a:r>
+              <a:rPr lang="en-US" sz="5400" dirty="0">
+                <a:solidFill>
+                  <a:schemeClr val="accent4"/>
+                </a:solidFill>
+              </a:rPr>
+              <a:t>D</a:t>
+            </a:r>
+            <a:endParaRPr lang="en-PH" sz="5400" dirty="0">
+              <a:solidFill>
+                <a:schemeClr val="accent4"/>
+              </a:solidFill>
+            </a:endParaRPr>
+          </a:p>
+        </p:txBody>
+      </p:sp>
+      <p:sp>
+        <p:nvSpPr>
+          <p:cNvPr id="10" name="Rectangle 9">
+            <a:extLst>
+              <a:ext uri="{FF2B5EF4-FFF2-40B4-BE49-F238E27FC236}">
+                <a16:creationId xmlns:a16="http://schemas.microsoft.com/office/drawing/2014/main" id="{78728664-D30B-49CF-947A-85B41059953B}"/>
+              </a:ext>
+            </a:extLst>
+          </p:cNvPr>
+          <p:cNvSpPr/>
+          <p:nvPr/>
+        </p:nvSpPr>
+        <p:spPr>
+          <a:xfrm>
+            <a:off x="6902577" y="4311830"/>
+            <a:ext cx="1786597" cy="970671"/>
+          </a:xfrm>
+          <a:prstGeom prst="rect">
+            <a:avLst/>
+          </a:prstGeom>
+          <a:noFill/>
+          <a:ln>
+            <a:noFill/>
+          </a:ln>
+        </p:spPr>
+        <p:style>
+          <a:lnRef idx="2">
+            <a:schemeClr val="accent1">
+              <a:shade val="50000"/>
+            </a:schemeClr>
+          </a:lnRef>
+          <a:fillRef idx="1">
+            <a:schemeClr val="accent1"/>
+          </a:fillRef>
+          <a:effectRef idx="0">
+            <a:schemeClr val="accent1"/>
+          </a:effectRef>
+          <a:fontRef idx="minor">
+            <a:schemeClr val="lt1"/>
+          </a:fontRef>
+        </p:style>
+        <p:txBody>
+          <a:bodyPr rtlCol="0" anchor="ctr"/>
+          <a:lstStyle>
+            <a:defPPr>
+              <a:defRPr lang="en-US"/>
+            </a:defPPr>
+            <a:lvl1pPr marL="0" algn="l" defTabSz="914400" rtl="0" eaLnBrk="1" latinLnBrk="0" hangingPunct="1">
+              <a:defRPr sz="1800" kern="1200">
+                <a:solidFill>
+                  <a:schemeClr val="lt1"/>
+                </a:solidFill>
+                <a:latin typeface="+mn-lt"/>
+                <a:ea typeface="+mn-ea"/>
+                <a:cs typeface="+mn-cs"/>
+              </a:defRPr>
+            </a:lvl1pPr>
+            <a:lvl2pPr marL="457200" algn="l" defTabSz="914400" rtl="0" eaLnBrk="1" latinLnBrk="0" hangingPunct="1">
+              <a:defRPr sz="1800" kern="1200">
+                <a:solidFill>
+                  <a:schemeClr val="lt1"/>
+                </a:solidFill>
+                <a:latin typeface="+mn-lt"/>
+                <a:ea typeface="+mn-ea"/>
+                <a:cs typeface="+mn-cs"/>
+              </a:defRPr>
+            </a:lvl2pPr>
+            <a:lvl3pPr marL="914400" algn="l" defTabSz="914400" rtl="0" eaLnBrk="1" latinLnBrk="0" hangingPunct="1">
+              <a:defRPr sz="1800" kern="1200">
+                <a:solidFill>
+                  <a:schemeClr val="lt1"/>
+                </a:solidFill>
+                <a:latin typeface="+mn-lt"/>
+                <a:ea typeface="+mn-ea"/>
+                <a:cs typeface="+mn-cs"/>
+              </a:defRPr>
+            </a:lvl3pPr>
+            <a:lvl4pPr marL="1371600" algn="l" defTabSz="914400" rtl="0" eaLnBrk="1" latinLnBrk="0" hangingPunct="1">
+              <a:defRPr sz="1800" kern="1200">
+                <a:solidFill>
+                  <a:schemeClr val="lt1"/>
+                </a:solidFill>
+                <a:latin typeface="+mn-lt"/>
+                <a:ea typeface="+mn-ea"/>
+                <a:cs typeface="+mn-cs"/>
+              </a:defRPr>
+            </a:lvl4pPr>
+            <a:lvl5pPr marL="1828800" algn="l" defTabSz="914400" rtl="0" eaLnBrk="1" latinLnBrk="0" hangingPunct="1">
+              <a:defRPr sz="1800" kern="1200">
+                <a:solidFill>
+                  <a:schemeClr val="lt1"/>
+                </a:solidFill>
+                <a:latin typeface="+mn-lt"/>
+                <a:ea typeface="+mn-ea"/>
+                <a:cs typeface="+mn-cs"/>
+              </a:defRPr>
+            </a:lvl5pPr>
+            <a:lvl6pPr marL="2286000" algn="l" defTabSz="914400" rtl="0" eaLnBrk="1" latinLnBrk="0" hangingPunct="1">
+              <a:defRPr sz="1800" kern="1200">
+                <a:solidFill>
+                  <a:schemeClr val="lt1"/>
+                </a:solidFill>
+                <a:latin typeface="+mn-lt"/>
+                <a:ea typeface="+mn-ea"/>
+                <a:cs typeface="+mn-cs"/>
+              </a:defRPr>
+            </a:lvl6pPr>
+            <a:lvl7pPr marL="2743200" algn="l" defTabSz="914400" rtl="0" eaLnBrk="1" latinLnBrk="0" hangingPunct="1">
+              <a:defRPr sz="1800" kern="1200">
+                <a:solidFill>
+                  <a:schemeClr val="lt1"/>
+                </a:solidFill>
+                <a:latin typeface="+mn-lt"/>
+                <a:ea typeface="+mn-ea"/>
+                <a:cs typeface="+mn-cs"/>
+              </a:defRPr>
+            </a:lvl7pPr>
+            <a:lvl8pPr marL="3200400" algn="l" defTabSz="914400" rtl="0" eaLnBrk="1" latinLnBrk="0" hangingPunct="1">
+              <a:defRPr sz="1800" kern="1200">
+                <a:solidFill>
+                  <a:schemeClr val="lt1"/>
+                </a:solidFill>
+                <a:latin typeface="+mn-lt"/>
+                <a:ea typeface="+mn-ea"/>
+                <a:cs typeface="+mn-cs"/>
+              </a:defRPr>
+            </a:lvl8pPr>
+            <a:lvl9pPr marL="3657600" algn="l" defTabSz="914400" rtl="0" eaLnBrk="1" latinLnBrk="0" hangingPunct="1">
+              <a:defRPr sz="1800" kern="1200">
+                <a:solidFill>
+                  <a:schemeClr val="lt1"/>
+                </a:solidFill>
+                <a:latin typeface="+mn-lt"/>
+                <a:ea typeface="+mn-ea"/>
+                <a:cs typeface="+mn-cs"/>
+              </a:defRPr>
+            </a:lvl9pPr>
+          </a:lstStyle>
+          <a:p>
+            <a:pPr algn="ctr"/>
+            <a:r>
+              <a:rPr lang="en-US" sz="5400" dirty="0">
+                <a:solidFill>
+                  <a:schemeClr val="accent4"/>
+                </a:solidFill>
+              </a:rPr>
+              <a:t>G</a:t>
+            </a:r>
+            <a:endParaRPr lang="en-PH" sz="5400" dirty="0">
+              <a:solidFill>
+                <a:schemeClr val="accent4"/>
+              </a:solidFill>
             </a:endParaRPr>
           </a:p>
         </p:txBody>
@@ -4018,6 +5943,1098 @@
               </a:solidFill>
               <a:latin typeface="Times New Roman" panose="02020603050405020304" pitchFamily="18" charset="0"/>
               <a:cs typeface="Times New Roman" panose="02020603050405020304" pitchFamily="18" charset="0"/>
+            </a:endParaRPr>
+          </a:p>
+        </p:txBody>
+      </p:sp>
+      <p:sp>
+        <p:nvSpPr>
+          <p:cNvPr id="3" name="Rectangle 2">
+            <a:extLst>
+              <a:ext uri="{FF2B5EF4-FFF2-40B4-BE49-F238E27FC236}">
+                <a16:creationId xmlns:a16="http://schemas.microsoft.com/office/drawing/2014/main" id="{6940671E-C098-40C4-910E-0ED63B59335F}"/>
+              </a:ext>
+            </a:extLst>
+          </p:cNvPr>
+          <p:cNvSpPr/>
+          <p:nvPr/>
+        </p:nvSpPr>
+        <p:spPr>
+          <a:xfrm>
+            <a:off x="-275463" y="-214450"/>
+            <a:ext cx="1786597" cy="970671"/>
+          </a:xfrm>
+          <a:prstGeom prst="rect">
+            <a:avLst/>
+          </a:prstGeom>
+          <a:noFill/>
+          <a:ln>
+            <a:noFill/>
+          </a:ln>
+        </p:spPr>
+        <p:style>
+          <a:lnRef idx="2">
+            <a:schemeClr val="accent1">
+              <a:shade val="50000"/>
+            </a:schemeClr>
+          </a:lnRef>
+          <a:fillRef idx="1">
+            <a:schemeClr val="accent1"/>
+          </a:fillRef>
+          <a:effectRef idx="0">
+            <a:schemeClr val="accent1"/>
+          </a:effectRef>
+          <a:fontRef idx="minor">
+            <a:schemeClr val="lt1"/>
+          </a:fontRef>
+        </p:style>
+        <p:txBody>
+          <a:bodyPr rtlCol="0" anchor="ctr"/>
+          <a:lstStyle>
+            <a:defPPr>
+              <a:defRPr lang="en-US"/>
+            </a:defPPr>
+            <a:lvl1pPr marL="0" algn="l" defTabSz="914400" rtl="0" eaLnBrk="1" latinLnBrk="0" hangingPunct="1">
+              <a:defRPr sz="1800" kern="1200">
+                <a:solidFill>
+                  <a:schemeClr val="lt1"/>
+                </a:solidFill>
+                <a:latin typeface="+mn-lt"/>
+                <a:ea typeface="+mn-ea"/>
+                <a:cs typeface="+mn-cs"/>
+              </a:defRPr>
+            </a:lvl1pPr>
+            <a:lvl2pPr marL="457200" algn="l" defTabSz="914400" rtl="0" eaLnBrk="1" latinLnBrk="0" hangingPunct="1">
+              <a:defRPr sz="1800" kern="1200">
+                <a:solidFill>
+                  <a:schemeClr val="lt1"/>
+                </a:solidFill>
+                <a:latin typeface="+mn-lt"/>
+                <a:ea typeface="+mn-ea"/>
+                <a:cs typeface="+mn-cs"/>
+              </a:defRPr>
+            </a:lvl2pPr>
+            <a:lvl3pPr marL="914400" algn="l" defTabSz="914400" rtl="0" eaLnBrk="1" latinLnBrk="0" hangingPunct="1">
+              <a:defRPr sz="1800" kern="1200">
+                <a:solidFill>
+                  <a:schemeClr val="lt1"/>
+                </a:solidFill>
+                <a:latin typeface="+mn-lt"/>
+                <a:ea typeface="+mn-ea"/>
+                <a:cs typeface="+mn-cs"/>
+              </a:defRPr>
+            </a:lvl3pPr>
+            <a:lvl4pPr marL="1371600" algn="l" defTabSz="914400" rtl="0" eaLnBrk="1" latinLnBrk="0" hangingPunct="1">
+              <a:defRPr sz="1800" kern="1200">
+                <a:solidFill>
+                  <a:schemeClr val="lt1"/>
+                </a:solidFill>
+                <a:latin typeface="+mn-lt"/>
+                <a:ea typeface="+mn-ea"/>
+                <a:cs typeface="+mn-cs"/>
+              </a:defRPr>
+            </a:lvl4pPr>
+            <a:lvl5pPr marL="1828800" algn="l" defTabSz="914400" rtl="0" eaLnBrk="1" latinLnBrk="0" hangingPunct="1">
+              <a:defRPr sz="1800" kern="1200">
+                <a:solidFill>
+                  <a:schemeClr val="lt1"/>
+                </a:solidFill>
+                <a:latin typeface="+mn-lt"/>
+                <a:ea typeface="+mn-ea"/>
+                <a:cs typeface="+mn-cs"/>
+              </a:defRPr>
+            </a:lvl5pPr>
+            <a:lvl6pPr marL="2286000" algn="l" defTabSz="914400" rtl="0" eaLnBrk="1" latinLnBrk="0" hangingPunct="1">
+              <a:defRPr sz="1800" kern="1200">
+                <a:solidFill>
+                  <a:schemeClr val="lt1"/>
+                </a:solidFill>
+                <a:latin typeface="+mn-lt"/>
+                <a:ea typeface="+mn-ea"/>
+                <a:cs typeface="+mn-cs"/>
+              </a:defRPr>
+            </a:lvl6pPr>
+            <a:lvl7pPr marL="2743200" algn="l" defTabSz="914400" rtl="0" eaLnBrk="1" latinLnBrk="0" hangingPunct="1">
+              <a:defRPr sz="1800" kern="1200">
+                <a:solidFill>
+                  <a:schemeClr val="lt1"/>
+                </a:solidFill>
+                <a:latin typeface="+mn-lt"/>
+                <a:ea typeface="+mn-ea"/>
+                <a:cs typeface="+mn-cs"/>
+              </a:defRPr>
+            </a:lvl7pPr>
+            <a:lvl8pPr marL="3200400" algn="l" defTabSz="914400" rtl="0" eaLnBrk="1" latinLnBrk="0" hangingPunct="1">
+              <a:defRPr sz="1800" kern="1200">
+                <a:solidFill>
+                  <a:schemeClr val="lt1"/>
+                </a:solidFill>
+                <a:latin typeface="+mn-lt"/>
+                <a:ea typeface="+mn-ea"/>
+                <a:cs typeface="+mn-cs"/>
+              </a:defRPr>
+            </a:lvl8pPr>
+            <a:lvl9pPr marL="3657600" algn="l" defTabSz="914400" rtl="0" eaLnBrk="1" latinLnBrk="0" hangingPunct="1">
+              <a:defRPr sz="1800" kern="1200">
+                <a:solidFill>
+                  <a:schemeClr val="lt1"/>
+                </a:solidFill>
+                <a:latin typeface="+mn-lt"/>
+                <a:ea typeface="+mn-ea"/>
+                <a:cs typeface="+mn-cs"/>
+              </a:defRPr>
+            </a:lvl9pPr>
+          </a:lstStyle>
+          <a:p>
+            <a:pPr algn="ctr"/>
+            <a:r>
+              <a:rPr lang="en-US" sz="5400" dirty="0">
+                <a:solidFill>
+                  <a:schemeClr val="accent4"/>
+                </a:solidFill>
+              </a:rPr>
+              <a:t>C</a:t>
+            </a:r>
+            <a:endParaRPr lang="en-PH" sz="5400" dirty="0">
+              <a:solidFill>
+                <a:schemeClr val="accent4"/>
+              </a:solidFill>
+            </a:endParaRPr>
+          </a:p>
+        </p:txBody>
+      </p:sp>
+      <p:sp>
+        <p:nvSpPr>
+          <p:cNvPr id="4" name="Rectangle 3">
+            <a:extLst>
+              <a:ext uri="{FF2B5EF4-FFF2-40B4-BE49-F238E27FC236}">
+                <a16:creationId xmlns:a16="http://schemas.microsoft.com/office/drawing/2014/main" id="{76E3D867-4FDA-425F-9C60-64DF40415786}"/>
+              </a:ext>
+            </a:extLst>
+          </p:cNvPr>
+          <p:cNvSpPr/>
+          <p:nvPr/>
+        </p:nvSpPr>
+        <p:spPr>
+          <a:xfrm>
+            <a:off x="5087829" y="-228600"/>
+            <a:ext cx="1786597" cy="970671"/>
+          </a:xfrm>
+          <a:prstGeom prst="rect">
+            <a:avLst/>
+          </a:prstGeom>
+          <a:noFill/>
+          <a:ln>
+            <a:noFill/>
+          </a:ln>
+        </p:spPr>
+        <p:style>
+          <a:lnRef idx="2">
+            <a:schemeClr val="accent1">
+              <a:shade val="50000"/>
+            </a:schemeClr>
+          </a:lnRef>
+          <a:fillRef idx="1">
+            <a:schemeClr val="accent1"/>
+          </a:fillRef>
+          <a:effectRef idx="0">
+            <a:schemeClr val="accent1"/>
+          </a:effectRef>
+          <a:fontRef idx="minor">
+            <a:schemeClr val="lt1"/>
+          </a:fontRef>
+        </p:style>
+        <p:txBody>
+          <a:bodyPr rtlCol="0" anchor="ctr"/>
+          <a:lstStyle>
+            <a:defPPr>
+              <a:defRPr lang="en-US"/>
+            </a:defPPr>
+            <a:lvl1pPr marL="0" algn="l" defTabSz="914400" rtl="0" eaLnBrk="1" latinLnBrk="0" hangingPunct="1">
+              <a:defRPr sz="1800" kern="1200">
+                <a:solidFill>
+                  <a:schemeClr val="lt1"/>
+                </a:solidFill>
+                <a:latin typeface="+mn-lt"/>
+                <a:ea typeface="+mn-ea"/>
+                <a:cs typeface="+mn-cs"/>
+              </a:defRPr>
+            </a:lvl1pPr>
+            <a:lvl2pPr marL="457200" algn="l" defTabSz="914400" rtl="0" eaLnBrk="1" latinLnBrk="0" hangingPunct="1">
+              <a:defRPr sz="1800" kern="1200">
+                <a:solidFill>
+                  <a:schemeClr val="lt1"/>
+                </a:solidFill>
+                <a:latin typeface="+mn-lt"/>
+                <a:ea typeface="+mn-ea"/>
+                <a:cs typeface="+mn-cs"/>
+              </a:defRPr>
+            </a:lvl2pPr>
+            <a:lvl3pPr marL="914400" algn="l" defTabSz="914400" rtl="0" eaLnBrk="1" latinLnBrk="0" hangingPunct="1">
+              <a:defRPr sz="1800" kern="1200">
+                <a:solidFill>
+                  <a:schemeClr val="lt1"/>
+                </a:solidFill>
+                <a:latin typeface="+mn-lt"/>
+                <a:ea typeface="+mn-ea"/>
+                <a:cs typeface="+mn-cs"/>
+              </a:defRPr>
+            </a:lvl3pPr>
+            <a:lvl4pPr marL="1371600" algn="l" defTabSz="914400" rtl="0" eaLnBrk="1" latinLnBrk="0" hangingPunct="1">
+              <a:defRPr sz="1800" kern="1200">
+                <a:solidFill>
+                  <a:schemeClr val="lt1"/>
+                </a:solidFill>
+                <a:latin typeface="+mn-lt"/>
+                <a:ea typeface="+mn-ea"/>
+                <a:cs typeface="+mn-cs"/>
+              </a:defRPr>
+            </a:lvl4pPr>
+            <a:lvl5pPr marL="1828800" algn="l" defTabSz="914400" rtl="0" eaLnBrk="1" latinLnBrk="0" hangingPunct="1">
+              <a:defRPr sz="1800" kern="1200">
+                <a:solidFill>
+                  <a:schemeClr val="lt1"/>
+                </a:solidFill>
+                <a:latin typeface="+mn-lt"/>
+                <a:ea typeface="+mn-ea"/>
+                <a:cs typeface="+mn-cs"/>
+              </a:defRPr>
+            </a:lvl5pPr>
+            <a:lvl6pPr marL="2286000" algn="l" defTabSz="914400" rtl="0" eaLnBrk="1" latinLnBrk="0" hangingPunct="1">
+              <a:defRPr sz="1800" kern="1200">
+                <a:solidFill>
+                  <a:schemeClr val="lt1"/>
+                </a:solidFill>
+                <a:latin typeface="+mn-lt"/>
+                <a:ea typeface="+mn-ea"/>
+                <a:cs typeface="+mn-cs"/>
+              </a:defRPr>
+            </a:lvl6pPr>
+            <a:lvl7pPr marL="2743200" algn="l" defTabSz="914400" rtl="0" eaLnBrk="1" latinLnBrk="0" hangingPunct="1">
+              <a:defRPr sz="1800" kern="1200">
+                <a:solidFill>
+                  <a:schemeClr val="lt1"/>
+                </a:solidFill>
+                <a:latin typeface="+mn-lt"/>
+                <a:ea typeface="+mn-ea"/>
+                <a:cs typeface="+mn-cs"/>
+              </a:defRPr>
+            </a:lvl7pPr>
+            <a:lvl8pPr marL="3200400" algn="l" defTabSz="914400" rtl="0" eaLnBrk="1" latinLnBrk="0" hangingPunct="1">
+              <a:defRPr sz="1800" kern="1200">
+                <a:solidFill>
+                  <a:schemeClr val="lt1"/>
+                </a:solidFill>
+                <a:latin typeface="+mn-lt"/>
+                <a:ea typeface="+mn-ea"/>
+                <a:cs typeface="+mn-cs"/>
+              </a:defRPr>
+            </a:lvl8pPr>
+            <a:lvl9pPr marL="3657600" algn="l" defTabSz="914400" rtl="0" eaLnBrk="1" latinLnBrk="0" hangingPunct="1">
+              <a:defRPr sz="1800" kern="1200">
+                <a:solidFill>
+                  <a:schemeClr val="lt1"/>
+                </a:solidFill>
+                <a:latin typeface="+mn-lt"/>
+                <a:ea typeface="+mn-ea"/>
+                <a:cs typeface="+mn-cs"/>
+              </a:defRPr>
+            </a:lvl9pPr>
+          </a:lstStyle>
+          <a:p>
+            <a:pPr algn="ctr"/>
+            <a:r>
+              <a:rPr lang="en-US" sz="5400" dirty="0">
+                <a:solidFill>
+                  <a:schemeClr val="accent4"/>
+                </a:solidFill>
+              </a:rPr>
+              <a:t>B</a:t>
+            </a:r>
+            <a:endParaRPr lang="en-PH" sz="5400" dirty="0">
+              <a:solidFill>
+                <a:schemeClr val="accent4"/>
+              </a:solidFill>
+            </a:endParaRPr>
+          </a:p>
+        </p:txBody>
+      </p:sp>
+      <p:sp>
+        <p:nvSpPr>
+          <p:cNvPr id="5" name="Rectangle 4">
+            <a:extLst>
+              <a:ext uri="{FF2B5EF4-FFF2-40B4-BE49-F238E27FC236}">
+                <a16:creationId xmlns:a16="http://schemas.microsoft.com/office/drawing/2014/main" id="{2E166555-4DC4-4030-A11E-4E0DFAA42F9D}"/>
+              </a:ext>
+            </a:extLst>
+          </p:cNvPr>
+          <p:cNvSpPr/>
+          <p:nvPr/>
+        </p:nvSpPr>
+        <p:spPr>
+          <a:xfrm>
+            <a:off x="0" y="1332410"/>
+            <a:ext cx="1786597" cy="970671"/>
+          </a:xfrm>
+          <a:prstGeom prst="rect">
+            <a:avLst/>
+          </a:prstGeom>
+          <a:noFill/>
+          <a:ln>
+            <a:noFill/>
+          </a:ln>
+        </p:spPr>
+        <p:style>
+          <a:lnRef idx="2">
+            <a:schemeClr val="accent1">
+              <a:shade val="50000"/>
+            </a:schemeClr>
+          </a:lnRef>
+          <a:fillRef idx="1">
+            <a:schemeClr val="accent1"/>
+          </a:fillRef>
+          <a:effectRef idx="0">
+            <a:schemeClr val="accent1"/>
+          </a:effectRef>
+          <a:fontRef idx="minor">
+            <a:schemeClr val="lt1"/>
+          </a:fontRef>
+        </p:style>
+        <p:txBody>
+          <a:bodyPr rtlCol="0" anchor="ctr"/>
+          <a:lstStyle>
+            <a:defPPr>
+              <a:defRPr lang="en-US"/>
+            </a:defPPr>
+            <a:lvl1pPr marL="0" algn="l" defTabSz="914400" rtl="0" eaLnBrk="1" latinLnBrk="0" hangingPunct="1">
+              <a:defRPr sz="1800" kern="1200">
+                <a:solidFill>
+                  <a:schemeClr val="lt1"/>
+                </a:solidFill>
+                <a:latin typeface="+mn-lt"/>
+                <a:ea typeface="+mn-ea"/>
+                <a:cs typeface="+mn-cs"/>
+              </a:defRPr>
+            </a:lvl1pPr>
+            <a:lvl2pPr marL="457200" algn="l" defTabSz="914400" rtl="0" eaLnBrk="1" latinLnBrk="0" hangingPunct="1">
+              <a:defRPr sz="1800" kern="1200">
+                <a:solidFill>
+                  <a:schemeClr val="lt1"/>
+                </a:solidFill>
+                <a:latin typeface="+mn-lt"/>
+                <a:ea typeface="+mn-ea"/>
+                <a:cs typeface="+mn-cs"/>
+              </a:defRPr>
+            </a:lvl2pPr>
+            <a:lvl3pPr marL="914400" algn="l" defTabSz="914400" rtl="0" eaLnBrk="1" latinLnBrk="0" hangingPunct="1">
+              <a:defRPr sz="1800" kern="1200">
+                <a:solidFill>
+                  <a:schemeClr val="lt1"/>
+                </a:solidFill>
+                <a:latin typeface="+mn-lt"/>
+                <a:ea typeface="+mn-ea"/>
+                <a:cs typeface="+mn-cs"/>
+              </a:defRPr>
+            </a:lvl3pPr>
+            <a:lvl4pPr marL="1371600" algn="l" defTabSz="914400" rtl="0" eaLnBrk="1" latinLnBrk="0" hangingPunct="1">
+              <a:defRPr sz="1800" kern="1200">
+                <a:solidFill>
+                  <a:schemeClr val="lt1"/>
+                </a:solidFill>
+                <a:latin typeface="+mn-lt"/>
+                <a:ea typeface="+mn-ea"/>
+                <a:cs typeface="+mn-cs"/>
+              </a:defRPr>
+            </a:lvl4pPr>
+            <a:lvl5pPr marL="1828800" algn="l" defTabSz="914400" rtl="0" eaLnBrk="1" latinLnBrk="0" hangingPunct="1">
+              <a:defRPr sz="1800" kern="1200">
+                <a:solidFill>
+                  <a:schemeClr val="lt1"/>
+                </a:solidFill>
+                <a:latin typeface="+mn-lt"/>
+                <a:ea typeface="+mn-ea"/>
+                <a:cs typeface="+mn-cs"/>
+              </a:defRPr>
+            </a:lvl5pPr>
+            <a:lvl6pPr marL="2286000" algn="l" defTabSz="914400" rtl="0" eaLnBrk="1" latinLnBrk="0" hangingPunct="1">
+              <a:defRPr sz="1800" kern="1200">
+                <a:solidFill>
+                  <a:schemeClr val="lt1"/>
+                </a:solidFill>
+                <a:latin typeface="+mn-lt"/>
+                <a:ea typeface="+mn-ea"/>
+                <a:cs typeface="+mn-cs"/>
+              </a:defRPr>
+            </a:lvl6pPr>
+            <a:lvl7pPr marL="2743200" algn="l" defTabSz="914400" rtl="0" eaLnBrk="1" latinLnBrk="0" hangingPunct="1">
+              <a:defRPr sz="1800" kern="1200">
+                <a:solidFill>
+                  <a:schemeClr val="lt1"/>
+                </a:solidFill>
+                <a:latin typeface="+mn-lt"/>
+                <a:ea typeface="+mn-ea"/>
+                <a:cs typeface="+mn-cs"/>
+              </a:defRPr>
+            </a:lvl7pPr>
+            <a:lvl8pPr marL="3200400" algn="l" defTabSz="914400" rtl="0" eaLnBrk="1" latinLnBrk="0" hangingPunct="1">
+              <a:defRPr sz="1800" kern="1200">
+                <a:solidFill>
+                  <a:schemeClr val="lt1"/>
+                </a:solidFill>
+                <a:latin typeface="+mn-lt"/>
+                <a:ea typeface="+mn-ea"/>
+                <a:cs typeface="+mn-cs"/>
+              </a:defRPr>
+            </a:lvl8pPr>
+            <a:lvl9pPr marL="3657600" algn="l" defTabSz="914400" rtl="0" eaLnBrk="1" latinLnBrk="0" hangingPunct="1">
+              <a:defRPr sz="1800" kern="1200">
+                <a:solidFill>
+                  <a:schemeClr val="lt1"/>
+                </a:solidFill>
+                <a:latin typeface="+mn-lt"/>
+                <a:ea typeface="+mn-ea"/>
+                <a:cs typeface="+mn-cs"/>
+              </a:defRPr>
+            </a:lvl9pPr>
+          </a:lstStyle>
+          <a:p>
+            <a:pPr algn="ctr"/>
+            <a:r>
+              <a:rPr lang="en-US" sz="5400" dirty="0">
+                <a:solidFill>
+                  <a:schemeClr val="accent4"/>
+                </a:solidFill>
+              </a:rPr>
+              <a:t>C</a:t>
+            </a:r>
+            <a:endParaRPr lang="en-PH" sz="5400" dirty="0">
+              <a:solidFill>
+                <a:schemeClr val="accent4"/>
+              </a:solidFill>
+            </a:endParaRPr>
+          </a:p>
+        </p:txBody>
+      </p:sp>
+      <p:sp>
+        <p:nvSpPr>
+          <p:cNvPr id="7" name="Rectangle 6">
+            <a:extLst>
+              <a:ext uri="{FF2B5EF4-FFF2-40B4-BE49-F238E27FC236}">
+                <a16:creationId xmlns:a16="http://schemas.microsoft.com/office/drawing/2014/main" id="{536E51F2-BE85-46C5-8367-EAFE643F7D44}"/>
+              </a:ext>
+            </a:extLst>
+          </p:cNvPr>
+          <p:cNvSpPr/>
+          <p:nvPr/>
+        </p:nvSpPr>
+        <p:spPr>
+          <a:xfrm>
+            <a:off x="10201421" y="1583870"/>
+            <a:ext cx="1786597" cy="970671"/>
+          </a:xfrm>
+          <a:prstGeom prst="rect">
+            <a:avLst/>
+          </a:prstGeom>
+          <a:noFill/>
+          <a:ln>
+            <a:noFill/>
+          </a:ln>
+        </p:spPr>
+        <p:style>
+          <a:lnRef idx="2">
+            <a:schemeClr val="accent1">
+              <a:shade val="50000"/>
+            </a:schemeClr>
+          </a:lnRef>
+          <a:fillRef idx="1">
+            <a:schemeClr val="accent1"/>
+          </a:fillRef>
+          <a:effectRef idx="0">
+            <a:schemeClr val="accent1"/>
+          </a:effectRef>
+          <a:fontRef idx="minor">
+            <a:schemeClr val="lt1"/>
+          </a:fontRef>
+        </p:style>
+        <p:txBody>
+          <a:bodyPr rtlCol="0" anchor="ctr"/>
+          <a:lstStyle>
+            <a:defPPr>
+              <a:defRPr lang="en-US"/>
+            </a:defPPr>
+            <a:lvl1pPr marL="0" algn="l" defTabSz="914400" rtl="0" eaLnBrk="1" latinLnBrk="0" hangingPunct="1">
+              <a:defRPr sz="1800" kern="1200">
+                <a:solidFill>
+                  <a:schemeClr val="lt1"/>
+                </a:solidFill>
+                <a:latin typeface="+mn-lt"/>
+                <a:ea typeface="+mn-ea"/>
+                <a:cs typeface="+mn-cs"/>
+              </a:defRPr>
+            </a:lvl1pPr>
+            <a:lvl2pPr marL="457200" algn="l" defTabSz="914400" rtl="0" eaLnBrk="1" latinLnBrk="0" hangingPunct="1">
+              <a:defRPr sz="1800" kern="1200">
+                <a:solidFill>
+                  <a:schemeClr val="lt1"/>
+                </a:solidFill>
+                <a:latin typeface="+mn-lt"/>
+                <a:ea typeface="+mn-ea"/>
+                <a:cs typeface="+mn-cs"/>
+              </a:defRPr>
+            </a:lvl2pPr>
+            <a:lvl3pPr marL="914400" algn="l" defTabSz="914400" rtl="0" eaLnBrk="1" latinLnBrk="0" hangingPunct="1">
+              <a:defRPr sz="1800" kern="1200">
+                <a:solidFill>
+                  <a:schemeClr val="lt1"/>
+                </a:solidFill>
+                <a:latin typeface="+mn-lt"/>
+                <a:ea typeface="+mn-ea"/>
+                <a:cs typeface="+mn-cs"/>
+              </a:defRPr>
+            </a:lvl3pPr>
+            <a:lvl4pPr marL="1371600" algn="l" defTabSz="914400" rtl="0" eaLnBrk="1" latinLnBrk="0" hangingPunct="1">
+              <a:defRPr sz="1800" kern="1200">
+                <a:solidFill>
+                  <a:schemeClr val="lt1"/>
+                </a:solidFill>
+                <a:latin typeface="+mn-lt"/>
+                <a:ea typeface="+mn-ea"/>
+                <a:cs typeface="+mn-cs"/>
+              </a:defRPr>
+            </a:lvl4pPr>
+            <a:lvl5pPr marL="1828800" algn="l" defTabSz="914400" rtl="0" eaLnBrk="1" latinLnBrk="0" hangingPunct="1">
+              <a:defRPr sz="1800" kern="1200">
+                <a:solidFill>
+                  <a:schemeClr val="lt1"/>
+                </a:solidFill>
+                <a:latin typeface="+mn-lt"/>
+                <a:ea typeface="+mn-ea"/>
+                <a:cs typeface="+mn-cs"/>
+              </a:defRPr>
+            </a:lvl5pPr>
+            <a:lvl6pPr marL="2286000" algn="l" defTabSz="914400" rtl="0" eaLnBrk="1" latinLnBrk="0" hangingPunct="1">
+              <a:defRPr sz="1800" kern="1200">
+                <a:solidFill>
+                  <a:schemeClr val="lt1"/>
+                </a:solidFill>
+                <a:latin typeface="+mn-lt"/>
+                <a:ea typeface="+mn-ea"/>
+                <a:cs typeface="+mn-cs"/>
+              </a:defRPr>
+            </a:lvl6pPr>
+            <a:lvl7pPr marL="2743200" algn="l" defTabSz="914400" rtl="0" eaLnBrk="1" latinLnBrk="0" hangingPunct="1">
+              <a:defRPr sz="1800" kern="1200">
+                <a:solidFill>
+                  <a:schemeClr val="lt1"/>
+                </a:solidFill>
+                <a:latin typeface="+mn-lt"/>
+                <a:ea typeface="+mn-ea"/>
+                <a:cs typeface="+mn-cs"/>
+              </a:defRPr>
+            </a:lvl7pPr>
+            <a:lvl8pPr marL="3200400" algn="l" defTabSz="914400" rtl="0" eaLnBrk="1" latinLnBrk="0" hangingPunct="1">
+              <a:defRPr sz="1800" kern="1200">
+                <a:solidFill>
+                  <a:schemeClr val="lt1"/>
+                </a:solidFill>
+                <a:latin typeface="+mn-lt"/>
+                <a:ea typeface="+mn-ea"/>
+                <a:cs typeface="+mn-cs"/>
+              </a:defRPr>
+            </a:lvl8pPr>
+            <a:lvl9pPr marL="3657600" algn="l" defTabSz="914400" rtl="0" eaLnBrk="1" latinLnBrk="0" hangingPunct="1">
+              <a:defRPr sz="1800" kern="1200">
+                <a:solidFill>
+                  <a:schemeClr val="lt1"/>
+                </a:solidFill>
+                <a:latin typeface="+mn-lt"/>
+                <a:ea typeface="+mn-ea"/>
+                <a:cs typeface="+mn-cs"/>
+              </a:defRPr>
+            </a:lvl9pPr>
+          </a:lstStyle>
+          <a:p>
+            <a:pPr algn="ctr"/>
+            <a:r>
+              <a:rPr lang="en-US" sz="5400" dirty="0">
+                <a:solidFill>
+                  <a:schemeClr val="accent4"/>
+                </a:solidFill>
+              </a:rPr>
+              <a:t>D</a:t>
+            </a:r>
+            <a:endParaRPr lang="en-PH" sz="5400" dirty="0">
+              <a:solidFill>
+                <a:schemeClr val="accent4"/>
+              </a:solidFill>
+            </a:endParaRPr>
+          </a:p>
+        </p:txBody>
+      </p:sp>
+      <p:sp>
+        <p:nvSpPr>
+          <p:cNvPr id="8" name="Rectangle 7">
+            <a:extLst>
+              <a:ext uri="{FF2B5EF4-FFF2-40B4-BE49-F238E27FC236}">
+                <a16:creationId xmlns:a16="http://schemas.microsoft.com/office/drawing/2014/main" id="{9B043770-ED18-400F-8842-8FEAC9258C60}"/>
+              </a:ext>
+            </a:extLst>
+          </p:cNvPr>
+          <p:cNvSpPr/>
+          <p:nvPr/>
+        </p:nvSpPr>
+        <p:spPr>
+          <a:xfrm>
+            <a:off x="2871597" y="3184070"/>
+            <a:ext cx="1786597" cy="970671"/>
+          </a:xfrm>
+          <a:prstGeom prst="rect">
+            <a:avLst/>
+          </a:prstGeom>
+          <a:noFill/>
+          <a:ln>
+            <a:noFill/>
+          </a:ln>
+        </p:spPr>
+        <p:style>
+          <a:lnRef idx="2">
+            <a:schemeClr val="accent1">
+              <a:shade val="50000"/>
+            </a:schemeClr>
+          </a:lnRef>
+          <a:fillRef idx="1">
+            <a:schemeClr val="accent1"/>
+          </a:fillRef>
+          <a:effectRef idx="0">
+            <a:schemeClr val="accent1"/>
+          </a:effectRef>
+          <a:fontRef idx="minor">
+            <a:schemeClr val="lt1"/>
+          </a:fontRef>
+        </p:style>
+        <p:txBody>
+          <a:bodyPr rtlCol="0" anchor="ctr"/>
+          <a:lstStyle>
+            <a:defPPr>
+              <a:defRPr lang="en-US"/>
+            </a:defPPr>
+            <a:lvl1pPr marL="0" algn="l" defTabSz="914400" rtl="0" eaLnBrk="1" latinLnBrk="0" hangingPunct="1">
+              <a:defRPr sz="1800" kern="1200">
+                <a:solidFill>
+                  <a:schemeClr val="lt1"/>
+                </a:solidFill>
+                <a:latin typeface="+mn-lt"/>
+                <a:ea typeface="+mn-ea"/>
+                <a:cs typeface="+mn-cs"/>
+              </a:defRPr>
+            </a:lvl1pPr>
+            <a:lvl2pPr marL="457200" algn="l" defTabSz="914400" rtl="0" eaLnBrk="1" latinLnBrk="0" hangingPunct="1">
+              <a:defRPr sz="1800" kern="1200">
+                <a:solidFill>
+                  <a:schemeClr val="lt1"/>
+                </a:solidFill>
+                <a:latin typeface="+mn-lt"/>
+                <a:ea typeface="+mn-ea"/>
+                <a:cs typeface="+mn-cs"/>
+              </a:defRPr>
+            </a:lvl2pPr>
+            <a:lvl3pPr marL="914400" algn="l" defTabSz="914400" rtl="0" eaLnBrk="1" latinLnBrk="0" hangingPunct="1">
+              <a:defRPr sz="1800" kern="1200">
+                <a:solidFill>
+                  <a:schemeClr val="lt1"/>
+                </a:solidFill>
+                <a:latin typeface="+mn-lt"/>
+                <a:ea typeface="+mn-ea"/>
+                <a:cs typeface="+mn-cs"/>
+              </a:defRPr>
+            </a:lvl3pPr>
+            <a:lvl4pPr marL="1371600" algn="l" defTabSz="914400" rtl="0" eaLnBrk="1" latinLnBrk="0" hangingPunct="1">
+              <a:defRPr sz="1800" kern="1200">
+                <a:solidFill>
+                  <a:schemeClr val="lt1"/>
+                </a:solidFill>
+                <a:latin typeface="+mn-lt"/>
+                <a:ea typeface="+mn-ea"/>
+                <a:cs typeface="+mn-cs"/>
+              </a:defRPr>
+            </a:lvl4pPr>
+            <a:lvl5pPr marL="1828800" algn="l" defTabSz="914400" rtl="0" eaLnBrk="1" latinLnBrk="0" hangingPunct="1">
+              <a:defRPr sz="1800" kern="1200">
+                <a:solidFill>
+                  <a:schemeClr val="lt1"/>
+                </a:solidFill>
+                <a:latin typeface="+mn-lt"/>
+                <a:ea typeface="+mn-ea"/>
+                <a:cs typeface="+mn-cs"/>
+              </a:defRPr>
+            </a:lvl5pPr>
+            <a:lvl6pPr marL="2286000" algn="l" defTabSz="914400" rtl="0" eaLnBrk="1" latinLnBrk="0" hangingPunct="1">
+              <a:defRPr sz="1800" kern="1200">
+                <a:solidFill>
+                  <a:schemeClr val="lt1"/>
+                </a:solidFill>
+                <a:latin typeface="+mn-lt"/>
+                <a:ea typeface="+mn-ea"/>
+                <a:cs typeface="+mn-cs"/>
+              </a:defRPr>
+            </a:lvl6pPr>
+            <a:lvl7pPr marL="2743200" algn="l" defTabSz="914400" rtl="0" eaLnBrk="1" latinLnBrk="0" hangingPunct="1">
+              <a:defRPr sz="1800" kern="1200">
+                <a:solidFill>
+                  <a:schemeClr val="lt1"/>
+                </a:solidFill>
+                <a:latin typeface="+mn-lt"/>
+                <a:ea typeface="+mn-ea"/>
+                <a:cs typeface="+mn-cs"/>
+              </a:defRPr>
+            </a:lvl7pPr>
+            <a:lvl8pPr marL="3200400" algn="l" defTabSz="914400" rtl="0" eaLnBrk="1" latinLnBrk="0" hangingPunct="1">
+              <a:defRPr sz="1800" kern="1200">
+                <a:solidFill>
+                  <a:schemeClr val="lt1"/>
+                </a:solidFill>
+                <a:latin typeface="+mn-lt"/>
+                <a:ea typeface="+mn-ea"/>
+                <a:cs typeface="+mn-cs"/>
+              </a:defRPr>
+            </a:lvl8pPr>
+            <a:lvl9pPr marL="3657600" algn="l" defTabSz="914400" rtl="0" eaLnBrk="1" latinLnBrk="0" hangingPunct="1">
+              <a:defRPr sz="1800" kern="1200">
+                <a:solidFill>
+                  <a:schemeClr val="lt1"/>
+                </a:solidFill>
+                <a:latin typeface="+mn-lt"/>
+                <a:ea typeface="+mn-ea"/>
+                <a:cs typeface="+mn-cs"/>
+              </a:defRPr>
+            </a:lvl9pPr>
+          </a:lstStyle>
+          <a:p>
+            <a:pPr algn="ctr"/>
+            <a:r>
+              <a:rPr lang="en-US" sz="5400" dirty="0">
+                <a:solidFill>
+                  <a:schemeClr val="accent4"/>
+                </a:solidFill>
+              </a:rPr>
+              <a:t>C</a:t>
+            </a:r>
+            <a:endParaRPr lang="en-PH" sz="5400" dirty="0">
+              <a:solidFill>
+                <a:schemeClr val="accent4"/>
+              </a:solidFill>
+            </a:endParaRPr>
+          </a:p>
+        </p:txBody>
+      </p:sp>
+      <p:sp>
+        <p:nvSpPr>
+          <p:cNvPr id="9" name="Rectangle 8">
+            <a:extLst>
+              <a:ext uri="{FF2B5EF4-FFF2-40B4-BE49-F238E27FC236}">
+                <a16:creationId xmlns:a16="http://schemas.microsoft.com/office/drawing/2014/main" id="{A2A4B844-F91F-4F1A-A455-FD9DF0AB782C}"/>
+              </a:ext>
+            </a:extLst>
+          </p:cNvPr>
+          <p:cNvSpPr/>
+          <p:nvPr/>
+        </p:nvSpPr>
+        <p:spPr>
+          <a:xfrm>
+            <a:off x="-1" y="4469002"/>
+            <a:ext cx="1786597" cy="970671"/>
+          </a:xfrm>
+          <a:prstGeom prst="rect">
+            <a:avLst/>
+          </a:prstGeom>
+          <a:noFill/>
+          <a:ln>
+            <a:noFill/>
+          </a:ln>
+        </p:spPr>
+        <p:style>
+          <a:lnRef idx="2">
+            <a:schemeClr val="accent1">
+              <a:shade val="50000"/>
+            </a:schemeClr>
+          </a:lnRef>
+          <a:fillRef idx="1">
+            <a:schemeClr val="accent1"/>
+          </a:fillRef>
+          <a:effectRef idx="0">
+            <a:schemeClr val="accent1"/>
+          </a:effectRef>
+          <a:fontRef idx="minor">
+            <a:schemeClr val="lt1"/>
+          </a:fontRef>
+        </p:style>
+        <p:txBody>
+          <a:bodyPr rtlCol="0" anchor="ctr"/>
+          <a:lstStyle>
+            <a:defPPr>
+              <a:defRPr lang="en-US"/>
+            </a:defPPr>
+            <a:lvl1pPr marL="0" algn="l" defTabSz="914400" rtl="0" eaLnBrk="1" latinLnBrk="0" hangingPunct="1">
+              <a:defRPr sz="1800" kern="1200">
+                <a:solidFill>
+                  <a:schemeClr val="lt1"/>
+                </a:solidFill>
+                <a:latin typeface="+mn-lt"/>
+                <a:ea typeface="+mn-ea"/>
+                <a:cs typeface="+mn-cs"/>
+              </a:defRPr>
+            </a:lvl1pPr>
+            <a:lvl2pPr marL="457200" algn="l" defTabSz="914400" rtl="0" eaLnBrk="1" latinLnBrk="0" hangingPunct="1">
+              <a:defRPr sz="1800" kern="1200">
+                <a:solidFill>
+                  <a:schemeClr val="lt1"/>
+                </a:solidFill>
+                <a:latin typeface="+mn-lt"/>
+                <a:ea typeface="+mn-ea"/>
+                <a:cs typeface="+mn-cs"/>
+              </a:defRPr>
+            </a:lvl2pPr>
+            <a:lvl3pPr marL="914400" algn="l" defTabSz="914400" rtl="0" eaLnBrk="1" latinLnBrk="0" hangingPunct="1">
+              <a:defRPr sz="1800" kern="1200">
+                <a:solidFill>
+                  <a:schemeClr val="lt1"/>
+                </a:solidFill>
+                <a:latin typeface="+mn-lt"/>
+                <a:ea typeface="+mn-ea"/>
+                <a:cs typeface="+mn-cs"/>
+              </a:defRPr>
+            </a:lvl3pPr>
+            <a:lvl4pPr marL="1371600" algn="l" defTabSz="914400" rtl="0" eaLnBrk="1" latinLnBrk="0" hangingPunct="1">
+              <a:defRPr sz="1800" kern="1200">
+                <a:solidFill>
+                  <a:schemeClr val="lt1"/>
+                </a:solidFill>
+                <a:latin typeface="+mn-lt"/>
+                <a:ea typeface="+mn-ea"/>
+                <a:cs typeface="+mn-cs"/>
+              </a:defRPr>
+            </a:lvl4pPr>
+            <a:lvl5pPr marL="1828800" algn="l" defTabSz="914400" rtl="0" eaLnBrk="1" latinLnBrk="0" hangingPunct="1">
+              <a:defRPr sz="1800" kern="1200">
+                <a:solidFill>
+                  <a:schemeClr val="lt1"/>
+                </a:solidFill>
+                <a:latin typeface="+mn-lt"/>
+                <a:ea typeface="+mn-ea"/>
+                <a:cs typeface="+mn-cs"/>
+              </a:defRPr>
+            </a:lvl5pPr>
+            <a:lvl6pPr marL="2286000" algn="l" defTabSz="914400" rtl="0" eaLnBrk="1" latinLnBrk="0" hangingPunct="1">
+              <a:defRPr sz="1800" kern="1200">
+                <a:solidFill>
+                  <a:schemeClr val="lt1"/>
+                </a:solidFill>
+                <a:latin typeface="+mn-lt"/>
+                <a:ea typeface="+mn-ea"/>
+                <a:cs typeface="+mn-cs"/>
+              </a:defRPr>
+            </a:lvl6pPr>
+            <a:lvl7pPr marL="2743200" algn="l" defTabSz="914400" rtl="0" eaLnBrk="1" latinLnBrk="0" hangingPunct="1">
+              <a:defRPr sz="1800" kern="1200">
+                <a:solidFill>
+                  <a:schemeClr val="lt1"/>
+                </a:solidFill>
+                <a:latin typeface="+mn-lt"/>
+                <a:ea typeface="+mn-ea"/>
+                <a:cs typeface="+mn-cs"/>
+              </a:defRPr>
+            </a:lvl7pPr>
+            <a:lvl8pPr marL="3200400" algn="l" defTabSz="914400" rtl="0" eaLnBrk="1" latinLnBrk="0" hangingPunct="1">
+              <a:defRPr sz="1800" kern="1200">
+                <a:solidFill>
+                  <a:schemeClr val="lt1"/>
+                </a:solidFill>
+                <a:latin typeface="+mn-lt"/>
+                <a:ea typeface="+mn-ea"/>
+                <a:cs typeface="+mn-cs"/>
+              </a:defRPr>
+            </a:lvl8pPr>
+            <a:lvl9pPr marL="3657600" algn="l" defTabSz="914400" rtl="0" eaLnBrk="1" latinLnBrk="0" hangingPunct="1">
+              <a:defRPr sz="1800" kern="1200">
+                <a:solidFill>
+                  <a:schemeClr val="lt1"/>
+                </a:solidFill>
+                <a:latin typeface="+mn-lt"/>
+                <a:ea typeface="+mn-ea"/>
+                <a:cs typeface="+mn-cs"/>
+              </a:defRPr>
+            </a:lvl9pPr>
+          </a:lstStyle>
+          <a:p>
+            <a:pPr algn="ctr"/>
+            <a:r>
+              <a:rPr lang="en-US" sz="5400" dirty="0">
+                <a:solidFill>
+                  <a:schemeClr val="accent4"/>
+                </a:solidFill>
+              </a:rPr>
+              <a:t>G</a:t>
+            </a:r>
+            <a:endParaRPr lang="en-PH" sz="5400" dirty="0">
+              <a:solidFill>
+                <a:schemeClr val="accent4"/>
+              </a:solidFill>
+            </a:endParaRPr>
+          </a:p>
+        </p:txBody>
+      </p:sp>
+      <p:sp>
+        <p:nvSpPr>
+          <p:cNvPr id="10" name="Rectangle 9">
+            <a:extLst>
+              <a:ext uri="{FF2B5EF4-FFF2-40B4-BE49-F238E27FC236}">
+                <a16:creationId xmlns:a16="http://schemas.microsoft.com/office/drawing/2014/main" id="{59D561EA-60F1-438A-9E28-16CBAF67144B}"/>
+              </a:ext>
+            </a:extLst>
+          </p:cNvPr>
+          <p:cNvSpPr/>
+          <p:nvPr/>
+        </p:nvSpPr>
+        <p:spPr>
+          <a:xfrm>
+            <a:off x="8872024" y="4570993"/>
+            <a:ext cx="1786597" cy="970671"/>
+          </a:xfrm>
+          <a:prstGeom prst="rect">
+            <a:avLst/>
+          </a:prstGeom>
+          <a:noFill/>
+          <a:ln>
+            <a:noFill/>
+          </a:ln>
+        </p:spPr>
+        <p:style>
+          <a:lnRef idx="2">
+            <a:schemeClr val="accent1">
+              <a:shade val="50000"/>
+            </a:schemeClr>
+          </a:lnRef>
+          <a:fillRef idx="1">
+            <a:schemeClr val="accent1"/>
+          </a:fillRef>
+          <a:effectRef idx="0">
+            <a:schemeClr val="accent1"/>
+          </a:effectRef>
+          <a:fontRef idx="minor">
+            <a:schemeClr val="lt1"/>
+          </a:fontRef>
+        </p:style>
+        <p:txBody>
+          <a:bodyPr rtlCol="0" anchor="ctr"/>
+          <a:lstStyle>
+            <a:defPPr>
+              <a:defRPr lang="en-US"/>
+            </a:defPPr>
+            <a:lvl1pPr marL="0" algn="l" defTabSz="914400" rtl="0" eaLnBrk="1" latinLnBrk="0" hangingPunct="1">
+              <a:defRPr sz="1800" kern="1200">
+                <a:solidFill>
+                  <a:schemeClr val="lt1"/>
+                </a:solidFill>
+                <a:latin typeface="+mn-lt"/>
+                <a:ea typeface="+mn-ea"/>
+                <a:cs typeface="+mn-cs"/>
+              </a:defRPr>
+            </a:lvl1pPr>
+            <a:lvl2pPr marL="457200" algn="l" defTabSz="914400" rtl="0" eaLnBrk="1" latinLnBrk="0" hangingPunct="1">
+              <a:defRPr sz="1800" kern="1200">
+                <a:solidFill>
+                  <a:schemeClr val="lt1"/>
+                </a:solidFill>
+                <a:latin typeface="+mn-lt"/>
+                <a:ea typeface="+mn-ea"/>
+                <a:cs typeface="+mn-cs"/>
+              </a:defRPr>
+            </a:lvl2pPr>
+            <a:lvl3pPr marL="914400" algn="l" defTabSz="914400" rtl="0" eaLnBrk="1" latinLnBrk="0" hangingPunct="1">
+              <a:defRPr sz="1800" kern="1200">
+                <a:solidFill>
+                  <a:schemeClr val="lt1"/>
+                </a:solidFill>
+                <a:latin typeface="+mn-lt"/>
+                <a:ea typeface="+mn-ea"/>
+                <a:cs typeface="+mn-cs"/>
+              </a:defRPr>
+            </a:lvl3pPr>
+            <a:lvl4pPr marL="1371600" algn="l" defTabSz="914400" rtl="0" eaLnBrk="1" latinLnBrk="0" hangingPunct="1">
+              <a:defRPr sz="1800" kern="1200">
+                <a:solidFill>
+                  <a:schemeClr val="lt1"/>
+                </a:solidFill>
+                <a:latin typeface="+mn-lt"/>
+                <a:ea typeface="+mn-ea"/>
+                <a:cs typeface="+mn-cs"/>
+              </a:defRPr>
+            </a:lvl4pPr>
+            <a:lvl5pPr marL="1828800" algn="l" defTabSz="914400" rtl="0" eaLnBrk="1" latinLnBrk="0" hangingPunct="1">
+              <a:defRPr sz="1800" kern="1200">
+                <a:solidFill>
+                  <a:schemeClr val="lt1"/>
+                </a:solidFill>
+                <a:latin typeface="+mn-lt"/>
+                <a:ea typeface="+mn-ea"/>
+                <a:cs typeface="+mn-cs"/>
+              </a:defRPr>
+            </a:lvl5pPr>
+            <a:lvl6pPr marL="2286000" algn="l" defTabSz="914400" rtl="0" eaLnBrk="1" latinLnBrk="0" hangingPunct="1">
+              <a:defRPr sz="1800" kern="1200">
+                <a:solidFill>
+                  <a:schemeClr val="lt1"/>
+                </a:solidFill>
+                <a:latin typeface="+mn-lt"/>
+                <a:ea typeface="+mn-ea"/>
+                <a:cs typeface="+mn-cs"/>
+              </a:defRPr>
+            </a:lvl6pPr>
+            <a:lvl7pPr marL="2743200" algn="l" defTabSz="914400" rtl="0" eaLnBrk="1" latinLnBrk="0" hangingPunct="1">
+              <a:defRPr sz="1800" kern="1200">
+                <a:solidFill>
+                  <a:schemeClr val="lt1"/>
+                </a:solidFill>
+                <a:latin typeface="+mn-lt"/>
+                <a:ea typeface="+mn-ea"/>
+                <a:cs typeface="+mn-cs"/>
+              </a:defRPr>
+            </a:lvl7pPr>
+            <a:lvl8pPr marL="3200400" algn="l" defTabSz="914400" rtl="0" eaLnBrk="1" latinLnBrk="0" hangingPunct="1">
+              <a:defRPr sz="1800" kern="1200">
+                <a:solidFill>
+                  <a:schemeClr val="lt1"/>
+                </a:solidFill>
+                <a:latin typeface="+mn-lt"/>
+                <a:ea typeface="+mn-ea"/>
+                <a:cs typeface="+mn-cs"/>
+              </a:defRPr>
+            </a:lvl8pPr>
+            <a:lvl9pPr marL="3657600" algn="l" defTabSz="914400" rtl="0" eaLnBrk="1" latinLnBrk="0" hangingPunct="1">
+              <a:defRPr sz="1800" kern="1200">
+                <a:solidFill>
+                  <a:schemeClr val="lt1"/>
+                </a:solidFill>
+                <a:latin typeface="+mn-lt"/>
+                <a:ea typeface="+mn-ea"/>
+                <a:cs typeface="+mn-cs"/>
+              </a:defRPr>
+            </a:lvl9pPr>
+          </a:lstStyle>
+          <a:p>
+            <a:pPr algn="ctr"/>
+            <a:r>
+              <a:rPr lang="en-US" sz="5400" dirty="0">
+                <a:solidFill>
+                  <a:schemeClr val="accent4"/>
+                </a:solidFill>
+              </a:rPr>
+              <a:t>Am</a:t>
+            </a:r>
+            <a:endParaRPr lang="en-PH" sz="5400" dirty="0">
+              <a:solidFill>
+                <a:schemeClr val="accent4"/>
+              </a:solidFill>
             </a:endParaRPr>
           </a:p>
         </p:txBody>
